--- a/Documenti/Mentematico.pptx
+++ b/Documenti/Mentematico.pptx
@@ -1,121 +1,41 @@
 
 <file path=ppt/presentation.xml><?xml version="1.0" encoding="utf-8"?>
-<p:presentation xmlns:a="http://schemas.openxmlformats.org/drawingml/2006/main" xmlns:r="http://schemas.openxmlformats.org/officeDocument/2006/relationships" xmlns:p="http://schemas.openxmlformats.org/presentationml/2006/main" saveSubsetFonts="1" embedTrueTypeFonts="true">
+<p:presentation xmlns:a="http://schemas.openxmlformats.org/drawingml/2006/main" xmlns:r="http://schemas.openxmlformats.org/officeDocument/2006/relationships" xmlns:p="http://schemas.openxmlformats.org/presentationml/2006/main" embedTrueTypeFonts="1" saveSubsetFonts="1">
   <p:sldMasterIdLst>
     <p:sldMasterId id="2147483648" r:id="rId1"/>
   </p:sldMasterIdLst>
   <p:sldIdLst>
-    <p:sldId id="256" r:id="rId31"/>
-    <p:sldId id="257" r:id="rId32"/>
-    <p:sldId id="258" r:id="rId33"/>
-    <p:sldId id="259" r:id="rId34"/>
-    <p:sldId id="260" r:id="rId35"/>
-    <p:sldId id="261" r:id="rId36"/>
-    <p:sldId id="262" r:id="rId37"/>
-    <p:sldId id="263" r:id="rId38"/>
+    <p:sldId id="256" r:id="rId2"/>
+    <p:sldId id="257" r:id="rId3"/>
+    <p:sldId id="258" r:id="rId4"/>
+    <p:sldId id="259" r:id="rId5"/>
+    <p:sldId id="260" r:id="rId6"/>
+    <p:sldId id="261" r:id="rId7"/>
+    <p:sldId id="262" r:id="rId8"/>
+    <p:sldId id="263" r:id="rId9"/>
   </p:sldIdLst>
   <p:sldSz cx="7708900" cy="4279900"/>
   <p:notesSz cx="6858000" cy="9144000"/>
   <p:embeddedFontLst>
     <p:embeddedFont>
-      <p:font typeface="Arimo" charset="1" panose="020B0604020202020204"/>
-      <p:regular r:id="rId6"/>
-    </p:embeddedFont>
-    <p:embeddedFont>
-      <p:font typeface="Arimo Bold" charset="1" panose="020B0704020202020204"/>
-      <p:regular r:id="rId7"/>
-    </p:embeddedFont>
-    <p:embeddedFont>
-      <p:font typeface="Arimo Italics" charset="1" panose="020B0604020202090204"/>
-      <p:regular r:id="rId8"/>
-    </p:embeddedFont>
-    <p:embeddedFont>
-      <p:font typeface="Arimo Bold Italics" charset="1" panose="020B0704020202090204"/>
-      <p:regular r:id="rId9"/>
-    </p:embeddedFont>
-    <p:embeddedFont>
-      <p:font typeface="League Spartan" charset="1" panose="00000800000000000000"/>
+      <p:font typeface="League Spartan" panose="020B0604020202020204" charset="0"/>
       <p:regular r:id="rId10"/>
     </p:embeddedFont>
     <p:embeddedFont>
-      <p:font typeface="Open Sans 1" charset="1" panose="020B0606030504020204"/>
+      <p:font typeface="Open Sans 1" panose="020B0604020202020204" charset="0"/>
       <p:regular r:id="rId11"/>
     </p:embeddedFont>
     <p:embeddedFont>
-      <p:font typeface="Open Sans 1 Bold" charset="1" panose="020B0806030504020204"/>
+      <p:font typeface="Open Sans 1 Bold" panose="020B0604020202020204" charset="0"/>
       <p:regular r:id="rId12"/>
     </p:embeddedFont>
     <p:embeddedFont>
-      <p:font typeface="Open Sans 1 Italics" charset="1" panose="020B0606030504020204"/>
+      <p:font typeface="Open Sans 1 Italics" panose="020B0604020202020204" charset="0"/>
       <p:regular r:id="rId13"/>
     </p:embeddedFont>
     <p:embeddedFont>
-      <p:font typeface="Open Sans 1 Bold Italics" charset="1" panose="020B0806030504020204"/>
+      <p:font typeface="Open Sans 2" panose="020B0604020202020204" charset="0"/>
       <p:regular r:id="rId14"/>
-    </p:embeddedFont>
-    <p:embeddedFont>
-      <p:font typeface="Open Sans 1 Light" charset="1" panose="020B0306030504020204"/>
-      <p:regular r:id="rId15"/>
-    </p:embeddedFont>
-    <p:embeddedFont>
-      <p:font typeface="Open Sans 1 Light Italics" charset="1" panose="020B0306030504020204"/>
-      <p:regular r:id="rId16"/>
-    </p:embeddedFont>
-    <p:embeddedFont>
-      <p:font typeface="Open Sans 1 Ultra-Bold" charset="1" panose="00000000000000000000"/>
-      <p:regular r:id="rId17"/>
-    </p:embeddedFont>
-    <p:embeddedFont>
-      <p:font typeface="Open Sans 1 Ultra-Bold Italics" charset="1" panose="00000000000000000000"/>
-      <p:regular r:id="rId18"/>
-    </p:embeddedFont>
-    <p:embeddedFont>
-      <p:font typeface="Open Sans 2" charset="1" panose="00000000000000000000"/>
-      <p:regular r:id="rId19"/>
-    </p:embeddedFont>
-    <p:embeddedFont>
-      <p:font typeface="Open Sans 2 Bold" charset="1" panose="00000000000000000000"/>
-      <p:regular r:id="rId20"/>
-    </p:embeddedFont>
-    <p:embeddedFont>
-      <p:font typeface="Open Sans 2 Italics" charset="1" panose="00000000000000000000"/>
-      <p:regular r:id="rId21"/>
-    </p:embeddedFont>
-    <p:embeddedFont>
-      <p:font typeface="Open Sans 2 Bold Italics" charset="1" panose="00000000000000000000"/>
-      <p:regular r:id="rId22"/>
-    </p:embeddedFont>
-    <p:embeddedFont>
-      <p:font typeface="Open Sans 2 Light" charset="1" panose="00000000000000000000"/>
-      <p:regular r:id="rId23"/>
-    </p:embeddedFont>
-    <p:embeddedFont>
-      <p:font typeface="Open Sans 2 Light Italics" charset="1" panose="00000000000000000000"/>
-      <p:regular r:id="rId24"/>
-    </p:embeddedFont>
-    <p:embeddedFont>
-      <p:font typeface="Open Sans 2 Medium" charset="1" panose="00000000000000000000"/>
-      <p:regular r:id="rId25"/>
-    </p:embeddedFont>
-    <p:embeddedFont>
-      <p:font typeface="Open Sans 2 Medium Italics" charset="1" panose="00000000000000000000"/>
-      <p:regular r:id="rId26"/>
-    </p:embeddedFont>
-    <p:embeddedFont>
-      <p:font typeface="Open Sans 2 Semi-Bold" charset="1" panose="00000000000000000000"/>
-      <p:regular r:id="rId27"/>
-    </p:embeddedFont>
-    <p:embeddedFont>
-      <p:font typeface="Open Sans 2 Semi-Bold Italics" charset="1" panose="00000000000000000000"/>
-      <p:regular r:id="rId28"/>
-    </p:embeddedFont>
-    <p:embeddedFont>
-      <p:font typeface="Open Sans 2 Ultra-Bold" charset="1" panose="00000000000000000000"/>
-      <p:regular r:id="rId29"/>
-    </p:embeddedFont>
-    <p:embeddedFont>
-      <p:font typeface="Open Sans 2 Ultra-Bold Italics" charset="1" panose="00000000000000000000"/>
-      <p:regular r:id="rId30"/>
     </p:embeddedFont>
   </p:embeddedFontLst>
   <p:defaultTextStyle>
@@ -213,7 +133,31 @@
       </a:defRPr>
     </a:lvl9pPr>
   </p:defaultTextStyle>
+  <p:extLst>
+    <p:ext uri="{EFAFB233-063F-42B5-8137-9DF3F51BA10A}">
+      <p15:sldGuideLst xmlns:p15="http://schemas.microsoft.com/office/powerpoint/2012/main">
+        <p15:guide id="1" orient="horz" pos="2160">
+          <p15:clr>
+            <a:srgbClr val="A4A3A4"/>
+          </p15:clr>
+        </p15:guide>
+        <p15:guide id="2" pos="2880">
+          <p15:clr>
+            <a:srgbClr val="A4A3A4"/>
+          </p15:clr>
+        </p15:guide>
+      </p15:sldGuideLst>
+    </p:ext>
+  </p:extLst>
 </p:presentation>
+</file>
+
+<file path=ppt/revisionInfo.xml><?xml version="1.0" encoding="utf-8"?>
+<p1510:revInfo xmlns:a="http://schemas.openxmlformats.org/drawingml/2006/main" xmlns:r="http://schemas.openxmlformats.org/officeDocument/2006/relationships" xmlns:p1510="http://schemas.microsoft.com/office/powerpoint/2015/10/main">
+  <p1510:revLst>
+    <p1510:client id="{CBF8D793-17BE-477A-AF13-8D5865690311}" v="6" dt="2024-02-05T20:05:33.984"/>
+  </p1510:revLst>
+</p1510:revInfo>
 </file>
 
 <file path=ppt/slideLayouts/slideLayout1.xml><?xml version="1.0" encoding="utf-8"?>
@@ -254,10 +198,9 @@
           <a:lstStyle/>
           <a:p>
             <a:r>
-              <a:rPr lang="en-US" smtClean="0"/>
+              <a:rPr lang="en-US"/>
               <a:t>Click to edit Master title style</a:t>
             </a:r>
-            <a:endParaRPr lang="en-US"/>
           </a:p>
         </p:txBody>
       </p:sp>
@@ -373,10 +316,9 @@
           </a:lstStyle>
           <a:p>
             <a:r>
-              <a:rPr lang="en-US" smtClean="0"/>
+              <a:rPr lang="en-US"/>
               <a:t>Click to edit Master subtitle style</a:t>
             </a:r>
-            <a:endParaRPr lang="en-US"/>
           </a:p>
         </p:txBody>
       </p:sp>
@@ -398,7 +340,7 @@
             <a:fld id="{1D8BD707-D9CF-40AE-B4C6-C98DA3205C09}" type="datetimeFigureOut">
               <a:rPr lang="en-US" smtClean="0"/>
               <a:pPr/>
-              <a:t>8/1/2011</a:t>
+              <a:t>2/5/2024</a:t>
             </a:fld>
             <a:endParaRPr lang="en-US"/>
           </a:p>
@@ -441,7 +383,7 @@
             <a:fld id="{B6F15528-21DE-4FAA-801E-634DDDAF4B2B}" type="slidenum">
               <a:rPr lang="en-US" smtClean="0"/>
               <a:pPr/>
-              <a:t>‹#›</a:t>
+              <a:t>‹N›</a:t>
             </a:fld>
             <a:endParaRPr lang="en-US"/>
           </a:p>
@@ -488,10 +430,9 @@
           <a:lstStyle/>
           <a:p>
             <a:r>
-              <a:rPr lang="en-US" smtClean="0"/>
+              <a:rPr lang="en-US"/>
               <a:t>Click to edit Master title style</a:t>
             </a:r>
-            <a:endParaRPr lang="en-US"/>
           </a:p>
         </p:txBody>
       </p:sp>
@@ -512,38 +453,37 @@
           <a:p>
             <a:pPr lvl="0"/>
             <a:r>
-              <a:rPr lang="en-US" smtClean="0"/>
+              <a:rPr lang="en-US"/>
               <a:t>Click to edit Master text styles</a:t>
             </a:r>
           </a:p>
           <a:p>
             <a:pPr lvl="1"/>
             <a:r>
-              <a:rPr lang="en-US" smtClean="0"/>
+              <a:rPr lang="en-US"/>
               <a:t>Second level</a:t>
             </a:r>
           </a:p>
           <a:p>
             <a:pPr lvl="2"/>
             <a:r>
-              <a:rPr lang="en-US" smtClean="0"/>
+              <a:rPr lang="en-US"/>
               <a:t>Third level</a:t>
             </a:r>
           </a:p>
           <a:p>
             <a:pPr lvl="3"/>
             <a:r>
-              <a:rPr lang="en-US" smtClean="0"/>
+              <a:rPr lang="en-US"/>
               <a:t>Fourth level</a:t>
             </a:r>
           </a:p>
           <a:p>
             <a:pPr lvl="4"/>
             <a:r>
-              <a:rPr lang="en-US" smtClean="0"/>
+              <a:rPr lang="en-US"/>
               <a:t>Fifth level</a:t>
             </a:r>
-            <a:endParaRPr lang="en-US"/>
           </a:p>
         </p:txBody>
       </p:sp>
@@ -565,7 +505,7 @@
             <a:fld id="{1D8BD707-D9CF-40AE-B4C6-C98DA3205C09}" type="datetimeFigureOut">
               <a:rPr lang="en-US" smtClean="0"/>
               <a:pPr/>
-              <a:t>8/1/2011</a:t>
+              <a:t>2/5/2024</a:t>
             </a:fld>
             <a:endParaRPr lang="en-US"/>
           </a:p>
@@ -608,7 +548,7 @@
             <a:fld id="{B6F15528-21DE-4FAA-801E-634DDDAF4B2B}" type="slidenum">
               <a:rPr lang="en-US" smtClean="0"/>
               <a:pPr/>
-              <a:t>‹#›</a:t>
+              <a:t>‹N›</a:t>
             </a:fld>
             <a:endParaRPr lang="en-US"/>
           </a:p>
@@ -660,10 +600,9 @@
           <a:lstStyle/>
           <a:p>
             <a:r>
-              <a:rPr lang="en-US" smtClean="0"/>
+              <a:rPr lang="en-US"/>
               <a:t>Click to edit Master title style</a:t>
             </a:r>
-            <a:endParaRPr lang="en-US"/>
           </a:p>
         </p:txBody>
       </p:sp>
@@ -689,38 +628,37 @@
           <a:p>
             <a:pPr lvl="0"/>
             <a:r>
-              <a:rPr lang="en-US" smtClean="0"/>
+              <a:rPr lang="en-US"/>
               <a:t>Click to edit Master text styles</a:t>
             </a:r>
           </a:p>
           <a:p>
             <a:pPr lvl="1"/>
             <a:r>
-              <a:rPr lang="en-US" smtClean="0"/>
+              <a:rPr lang="en-US"/>
               <a:t>Second level</a:t>
             </a:r>
           </a:p>
           <a:p>
             <a:pPr lvl="2"/>
             <a:r>
-              <a:rPr lang="en-US" smtClean="0"/>
+              <a:rPr lang="en-US"/>
               <a:t>Third level</a:t>
             </a:r>
           </a:p>
           <a:p>
             <a:pPr lvl="3"/>
             <a:r>
-              <a:rPr lang="en-US" smtClean="0"/>
+              <a:rPr lang="en-US"/>
               <a:t>Fourth level</a:t>
             </a:r>
           </a:p>
           <a:p>
             <a:pPr lvl="4"/>
             <a:r>
-              <a:rPr lang="en-US" smtClean="0"/>
+              <a:rPr lang="en-US"/>
               <a:t>Fifth level</a:t>
             </a:r>
-            <a:endParaRPr lang="en-US"/>
           </a:p>
         </p:txBody>
       </p:sp>
@@ -742,7 +680,7 @@
             <a:fld id="{1D8BD707-D9CF-40AE-B4C6-C98DA3205C09}" type="datetimeFigureOut">
               <a:rPr lang="en-US" smtClean="0"/>
               <a:pPr/>
-              <a:t>8/1/2011</a:t>
+              <a:t>2/5/2024</a:t>
             </a:fld>
             <a:endParaRPr lang="en-US"/>
           </a:p>
@@ -785,7 +723,7 @@
             <a:fld id="{B6F15528-21DE-4FAA-801E-634DDDAF4B2B}" type="slidenum">
               <a:rPr lang="en-US" smtClean="0"/>
               <a:pPr/>
-              <a:t>‹#›</a:t>
+              <a:t>‹N›</a:t>
             </a:fld>
             <a:endParaRPr lang="en-US"/>
           </a:p>
@@ -832,10 +770,9 @@
           <a:lstStyle/>
           <a:p>
             <a:r>
-              <a:rPr lang="en-US" smtClean="0"/>
+              <a:rPr lang="en-US"/>
               <a:t>Click to edit Master title style</a:t>
             </a:r>
-            <a:endParaRPr lang="en-US"/>
           </a:p>
         </p:txBody>
       </p:sp>
@@ -856,38 +793,37 @@
           <a:p>
             <a:pPr lvl="0"/>
             <a:r>
-              <a:rPr lang="en-US" smtClean="0"/>
+              <a:rPr lang="en-US"/>
               <a:t>Click to edit Master text styles</a:t>
             </a:r>
           </a:p>
           <a:p>
             <a:pPr lvl="1"/>
             <a:r>
-              <a:rPr lang="en-US" smtClean="0"/>
+              <a:rPr lang="en-US"/>
               <a:t>Second level</a:t>
             </a:r>
           </a:p>
           <a:p>
             <a:pPr lvl="2"/>
             <a:r>
-              <a:rPr lang="en-US" smtClean="0"/>
+              <a:rPr lang="en-US"/>
               <a:t>Third level</a:t>
             </a:r>
           </a:p>
           <a:p>
             <a:pPr lvl="3"/>
             <a:r>
-              <a:rPr lang="en-US" smtClean="0"/>
+              <a:rPr lang="en-US"/>
               <a:t>Fourth level</a:t>
             </a:r>
           </a:p>
           <a:p>
             <a:pPr lvl="4"/>
             <a:r>
-              <a:rPr lang="en-US" smtClean="0"/>
+              <a:rPr lang="en-US"/>
               <a:t>Fifth level</a:t>
             </a:r>
-            <a:endParaRPr lang="en-US"/>
           </a:p>
         </p:txBody>
       </p:sp>
@@ -909,7 +845,7 @@
             <a:fld id="{1D8BD707-D9CF-40AE-B4C6-C98DA3205C09}" type="datetimeFigureOut">
               <a:rPr lang="en-US" smtClean="0"/>
               <a:pPr/>
-              <a:t>8/1/2011</a:t>
+              <a:t>2/5/2024</a:t>
             </a:fld>
             <a:endParaRPr lang="en-US"/>
           </a:p>
@@ -952,7 +888,7 @@
             <a:fld id="{B6F15528-21DE-4FAA-801E-634DDDAF4B2B}" type="slidenum">
               <a:rPr lang="en-US" smtClean="0"/>
               <a:pPr/>
-              <a:t>‹#›</a:t>
+              <a:t>‹N›</a:t>
             </a:fld>
             <a:endParaRPr lang="en-US"/>
           </a:p>
@@ -1008,10 +944,9 @@
           </a:lstStyle>
           <a:p>
             <a:r>
-              <a:rPr lang="en-US" smtClean="0"/>
+              <a:rPr lang="en-US"/>
               <a:t>Click to edit Master title style</a:t>
             </a:r>
-            <a:endParaRPr lang="en-US"/>
           </a:p>
         </p:txBody>
       </p:sp>
@@ -1128,7 +1063,7 @@
           <a:p>
             <a:pPr lvl="0"/>
             <a:r>
-              <a:rPr lang="en-US" smtClean="0"/>
+              <a:rPr lang="en-US"/>
               <a:t>Click to edit Master text styles</a:t>
             </a:r>
           </a:p>
@@ -1152,7 +1087,7 @@
             <a:fld id="{1D8BD707-D9CF-40AE-B4C6-C98DA3205C09}" type="datetimeFigureOut">
               <a:rPr lang="en-US" smtClean="0"/>
               <a:pPr/>
-              <a:t>8/1/2011</a:t>
+              <a:t>2/5/2024</a:t>
             </a:fld>
             <a:endParaRPr lang="en-US"/>
           </a:p>
@@ -1195,7 +1130,7 @@
             <a:fld id="{B6F15528-21DE-4FAA-801E-634DDDAF4B2B}" type="slidenum">
               <a:rPr lang="en-US" smtClean="0"/>
               <a:pPr/>
-              <a:t>‹#›</a:t>
+              <a:t>‹N›</a:t>
             </a:fld>
             <a:endParaRPr lang="en-US"/>
           </a:p>
@@ -1242,10 +1177,9 @@
           <a:lstStyle/>
           <a:p>
             <a:r>
-              <a:rPr lang="en-US" smtClean="0"/>
+              <a:rPr lang="en-US"/>
               <a:t>Click to edit Master title style</a:t>
             </a:r>
-            <a:endParaRPr lang="en-US"/>
           </a:p>
         </p:txBody>
       </p:sp>
@@ -1299,38 +1233,37 @@
           <a:p>
             <a:pPr lvl="0"/>
             <a:r>
-              <a:rPr lang="en-US" smtClean="0"/>
+              <a:rPr lang="en-US"/>
               <a:t>Click to edit Master text styles</a:t>
             </a:r>
           </a:p>
           <a:p>
             <a:pPr lvl="1"/>
             <a:r>
-              <a:rPr lang="en-US" smtClean="0"/>
+              <a:rPr lang="en-US"/>
               <a:t>Second level</a:t>
             </a:r>
           </a:p>
           <a:p>
             <a:pPr lvl="2"/>
             <a:r>
-              <a:rPr lang="en-US" smtClean="0"/>
+              <a:rPr lang="en-US"/>
               <a:t>Third level</a:t>
             </a:r>
           </a:p>
           <a:p>
             <a:pPr lvl="3"/>
             <a:r>
-              <a:rPr lang="en-US" smtClean="0"/>
+              <a:rPr lang="en-US"/>
               <a:t>Fourth level</a:t>
             </a:r>
           </a:p>
           <a:p>
             <a:pPr lvl="4"/>
             <a:r>
-              <a:rPr lang="en-US" smtClean="0"/>
+              <a:rPr lang="en-US"/>
               <a:t>Fifth level</a:t>
             </a:r>
-            <a:endParaRPr lang="en-US"/>
           </a:p>
         </p:txBody>
       </p:sp>
@@ -1384,38 +1317,37 @@
           <a:p>
             <a:pPr lvl="0"/>
             <a:r>
-              <a:rPr lang="en-US" smtClean="0"/>
+              <a:rPr lang="en-US"/>
               <a:t>Click to edit Master text styles</a:t>
             </a:r>
           </a:p>
           <a:p>
             <a:pPr lvl="1"/>
             <a:r>
-              <a:rPr lang="en-US" smtClean="0"/>
+              <a:rPr lang="en-US"/>
               <a:t>Second level</a:t>
             </a:r>
           </a:p>
           <a:p>
             <a:pPr lvl="2"/>
             <a:r>
-              <a:rPr lang="en-US" smtClean="0"/>
+              <a:rPr lang="en-US"/>
               <a:t>Third level</a:t>
             </a:r>
           </a:p>
           <a:p>
             <a:pPr lvl="3"/>
             <a:r>
-              <a:rPr lang="en-US" smtClean="0"/>
+              <a:rPr lang="en-US"/>
               <a:t>Fourth level</a:t>
             </a:r>
           </a:p>
           <a:p>
             <a:pPr lvl="4"/>
             <a:r>
-              <a:rPr lang="en-US" smtClean="0"/>
+              <a:rPr lang="en-US"/>
               <a:t>Fifth level</a:t>
             </a:r>
-            <a:endParaRPr lang="en-US"/>
           </a:p>
         </p:txBody>
       </p:sp>
@@ -1437,7 +1369,7 @@
             <a:fld id="{1D8BD707-D9CF-40AE-B4C6-C98DA3205C09}" type="datetimeFigureOut">
               <a:rPr lang="en-US" smtClean="0"/>
               <a:pPr/>
-              <a:t>8/1/2011</a:t>
+              <a:t>2/5/2024</a:t>
             </a:fld>
             <a:endParaRPr lang="en-US"/>
           </a:p>
@@ -1480,7 +1412,7 @@
             <a:fld id="{B6F15528-21DE-4FAA-801E-634DDDAF4B2B}" type="slidenum">
               <a:rPr lang="en-US" smtClean="0"/>
               <a:pPr/>
-              <a:t>‹#›</a:t>
+              <a:t>‹N›</a:t>
             </a:fld>
             <a:endParaRPr lang="en-US"/>
           </a:p>
@@ -1531,10 +1463,9 @@
           </a:lstStyle>
           <a:p>
             <a:r>
-              <a:rPr lang="en-US" smtClean="0"/>
+              <a:rPr lang="en-US"/>
               <a:t>Click to edit Master title style</a:t>
             </a:r>
-            <a:endParaRPr lang="en-US"/>
           </a:p>
         </p:txBody>
       </p:sp>
@@ -1597,7 +1528,7 @@
           <a:p>
             <a:pPr lvl="0"/>
             <a:r>
-              <a:rPr lang="en-US" smtClean="0"/>
+              <a:rPr lang="en-US"/>
               <a:t>Click to edit Master text styles</a:t>
             </a:r>
           </a:p>
@@ -1653,38 +1584,37 @@
           <a:p>
             <a:pPr lvl="0"/>
             <a:r>
-              <a:rPr lang="en-US" smtClean="0"/>
+              <a:rPr lang="en-US"/>
               <a:t>Click to edit Master text styles</a:t>
             </a:r>
           </a:p>
           <a:p>
             <a:pPr lvl="1"/>
             <a:r>
-              <a:rPr lang="en-US" smtClean="0"/>
+              <a:rPr lang="en-US"/>
               <a:t>Second level</a:t>
             </a:r>
           </a:p>
           <a:p>
             <a:pPr lvl="2"/>
             <a:r>
-              <a:rPr lang="en-US" smtClean="0"/>
+              <a:rPr lang="en-US"/>
               <a:t>Third level</a:t>
             </a:r>
           </a:p>
           <a:p>
             <a:pPr lvl="3"/>
             <a:r>
-              <a:rPr lang="en-US" smtClean="0"/>
+              <a:rPr lang="en-US"/>
               <a:t>Fourth level</a:t>
             </a:r>
           </a:p>
           <a:p>
             <a:pPr lvl="4"/>
             <a:r>
-              <a:rPr lang="en-US" smtClean="0"/>
+              <a:rPr lang="en-US"/>
               <a:t>Fifth level</a:t>
             </a:r>
-            <a:endParaRPr lang="en-US"/>
           </a:p>
         </p:txBody>
       </p:sp>
@@ -1747,7 +1677,7 @@
           <a:p>
             <a:pPr lvl="0"/>
             <a:r>
-              <a:rPr lang="en-US" smtClean="0"/>
+              <a:rPr lang="en-US"/>
               <a:t>Click to edit Master text styles</a:t>
             </a:r>
           </a:p>
@@ -1803,38 +1733,37 @@
           <a:p>
             <a:pPr lvl="0"/>
             <a:r>
-              <a:rPr lang="en-US" smtClean="0"/>
+              <a:rPr lang="en-US"/>
               <a:t>Click to edit Master text styles</a:t>
             </a:r>
           </a:p>
           <a:p>
             <a:pPr lvl="1"/>
             <a:r>
-              <a:rPr lang="en-US" smtClean="0"/>
+              <a:rPr lang="en-US"/>
               <a:t>Second level</a:t>
             </a:r>
           </a:p>
           <a:p>
             <a:pPr lvl="2"/>
             <a:r>
-              <a:rPr lang="en-US" smtClean="0"/>
+              <a:rPr lang="en-US"/>
               <a:t>Third level</a:t>
             </a:r>
           </a:p>
           <a:p>
             <a:pPr lvl="3"/>
             <a:r>
-              <a:rPr lang="en-US" smtClean="0"/>
+              <a:rPr lang="en-US"/>
               <a:t>Fourth level</a:t>
             </a:r>
           </a:p>
           <a:p>
             <a:pPr lvl="4"/>
             <a:r>
-              <a:rPr lang="en-US" smtClean="0"/>
+              <a:rPr lang="en-US"/>
               <a:t>Fifth level</a:t>
             </a:r>
-            <a:endParaRPr lang="en-US"/>
           </a:p>
         </p:txBody>
       </p:sp>
@@ -1856,7 +1785,7 @@
             <a:fld id="{1D8BD707-D9CF-40AE-B4C6-C98DA3205C09}" type="datetimeFigureOut">
               <a:rPr lang="en-US" smtClean="0"/>
               <a:pPr/>
-              <a:t>8/1/2011</a:t>
+              <a:t>2/5/2024</a:t>
             </a:fld>
             <a:endParaRPr lang="en-US"/>
           </a:p>
@@ -1899,7 +1828,7 @@
             <a:fld id="{B6F15528-21DE-4FAA-801E-634DDDAF4B2B}" type="slidenum">
               <a:rPr lang="en-US" smtClean="0"/>
               <a:pPr/>
-              <a:t>‹#›</a:t>
+              <a:t>‹N›</a:t>
             </a:fld>
             <a:endParaRPr lang="en-US"/>
           </a:p>
@@ -1946,10 +1875,9 @@
           <a:lstStyle/>
           <a:p>
             <a:r>
-              <a:rPr lang="en-US" smtClean="0"/>
+              <a:rPr lang="en-US"/>
               <a:t>Click to edit Master title style</a:t>
             </a:r>
-            <a:endParaRPr lang="en-US"/>
           </a:p>
         </p:txBody>
       </p:sp>
@@ -1971,7 +1899,7 @@
             <a:fld id="{1D8BD707-D9CF-40AE-B4C6-C98DA3205C09}" type="datetimeFigureOut">
               <a:rPr lang="en-US" smtClean="0"/>
               <a:pPr/>
-              <a:t>8/1/2011</a:t>
+              <a:t>2/5/2024</a:t>
             </a:fld>
             <a:endParaRPr lang="en-US"/>
           </a:p>
@@ -2014,7 +1942,7 @@
             <a:fld id="{B6F15528-21DE-4FAA-801E-634DDDAF4B2B}" type="slidenum">
               <a:rPr lang="en-US" smtClean="0"/>
               <a:pPr/>
-              <a:t>‹#›</a:t>
+              <a:t>‹N›</a:t>
             </a:fld>
             <a:endParaRPr lang="en-US"/>
           </a:p>
@@ -2063,7 +1991,7 @@
             <a:fld id="{1D8BD707-D9CF-40AE-B4C6-C98DA3205C09}" type="datetimeFigureOut">
               <a:rPr lang="en-US" smtClean="0"/>
               <a:pPr/>
-              <a:t>8/1/2011</a:t>
+              <a:t>2/5/2024</a:t>
             </a:fld>
             <a:endParaRPr lang="en-US"/>
           </a:p>
@@ -2106,7 +2034,7 @@
             <a:fld id="{B6F15528-21DE-4FAA-801E-634DDDAF4B2B}" type="slidenum">
               <a:rPr lang="en-US" smtClean="0"/>
               <a:pPr/>
-              <a:t>‹#›</a:t>
+              <a:t>‹N›</a:t>
             </a:fld>
             <a:endParaRPr lang="en-US"/>
           </a:p>
@@ -2162,10 +2090,9 @@
           </a:lstStyle>
           <a:p>
             <a:r>
-              <a:rPr lang="en-US" smtClean="0"/>
+              <a:rPr lang="en-US"/>
               <a:t>Click to edit Master title style</a:t>
             </a:r>
-            <a:endParaRPr lang="en-US"/>
           </a:p>
         </p:txBody>
       </p:sp>
@@ -2219,38 +2146,37 @@
           <a:p>
             <a:pPr lvl="0"/>
             <a:r>
-              <a:rPr lang="en-US" smtClean="0"/>
+              <a:rPr lang="en-US"/>
               <a:t>Click to edit Master text styles</a:t>
             </a:r>
           </a:p>
           <a:p>
             <a:pPr lvl="1"/>
             <a:r>
-              <a:rPr lang="en-US" smtClean="0"/>
+              <a:rPr lang="en-US"/>
               <a:t>Second level</a:t>
             </a:r>
           </a:p>
           <a:p>
             <a:pPr lvl="2"/>
             <a:r>
-              <a:rPr lang="en-US" smtClean="0"/>
+              <a:rPr lang="en-US"/>
               <a:t>Third level</a:t>
             </a:r>
           </a:p>
           <a:p>
             <a:pPr lvl="3"/>
             <a:r>
-              <a:rPr lang="en-US" smtClean="0"/>
+              <a:rPr lang="en-US"/>
               <a:t>Fourth level</a:t>
             </a:r>
           </a:p>
           <a:p>
             <a:pPr lvl="4"/>
             <a:r>
-              <a:rPr lang="en-US" smtClean="0"/>
+              <a:rPr lang="en-US"/>
               <a:t>Fifth level</a:t>
             </a:r>
-            <a:endParaRPr lang="en-US"/>
           </a:p>
         </p:txBody>
       </p:sp>
@@ -2313,7 +2239,7 @@
           <a:p>
             <a:pPr lvl="0"/>
             <a:r>
-              <a:rPr lang="en-US" smtClean="0"/>
+              <a:rPr lang="en-US"/>
               <a:t>Click to edit Master text styles</a:t>
             </a:r>
           </a:p>
@@ -2337,7 +2263,7 @@
             <a:fld id="{1D8BD707-D9CF-40AE-B4C6-C98DA3205C09}" type="datetimeFigureOut">
               <a:rPr lang="en-US" smtClean="0"/>
               <a:pPr/>
-              <a:t>8/1/2011</a:t>
+              <a:t>2/5/2024</a:t>
             </a:fld>
             <a:endParaRPr lang="en-US"/>
           </a:p>
@@ -2380,7 +2306,7 @@
             <a:fld id="{B6F15528-21DE-4FAA-801E-634DDDAF4B2B}" type="slidenum">
               <a:rPr lang="en-US" smtClean="0"/>
               <a:pPr/>
-              <a:t>‹#›</a:t>
+              <a:t>‹N›</a:t>
             </a:fld>
             <a:endParaRPr lang="en-US"/>
           </a:p>
@@ -2436,10 +2362,9 @@
           </a:lstStyle>
           <a:p>
             <a:r>
-              <a:rPr lang="en-US" smtClean="0"/>
+              <a:rPr lang="en-US"/>
               <a:t>Click to edit Master title style</a:t>
             </a:r>
-            <a:endParaRPr lang="en-US"/>
           </a:p>
         </p:txBody>
       </p:sp>
@@ -2563,7 +2488,7 @@
           <a:p>
             <a:pPr lvl="0"/>
             <a:r>
-              <a:rPr lang="en-US" smtClean="0"/>
+              <a:rPr lang="en-US"/>
               <a:t>Click to edit Master text styles</a:t>
             </a:r>
           </a:p>
@@ -2587,7 +2512,7 @@
             <a:fld id="{1D8BD707-D9CF-40AE-B4C6-C98DA3205C09}" type="datetimeFigureOut">
               <a:rPr lang="en-US" smtClean="0"/>
               <a:pPr/>
-              <a:t>8/1/2011</a:t>
+              <a:t>2/5/2024</a:t>
             </a:fld>
             <a:endParaRPr lang="en-US"/>
           </a:p>
@@ -2630,7 +2555,7 @@
             <a:fld id="{B6F15528-21DE-4FAA-801E-634DDDAF4B2B}" type="slidenum">
               <a:rPr lang="en-US" smtClean="0"/>
               <a:pPr/>
-              <a:t>‹#›</a:t>
+              <a:t>‹N›</a:t>
             </a:fld>
             <a:endParaRPr lang="en-US"/>
           </a:p>
@@ -2692,10 +2617,9 @@
           <a:lstStyle/>
           <a:p>
             <a:r>
-              <a:rPr lang="en-US" smtClean="0"/>
+              <a:rPr lang="en-US"/>
               <a:t>Click to edit Master title style</a:t>
             </a:r>
-            <a:endParaRPr lang="en-US"/>
           </a:p>
         </p:txBody>
       </p:sp>
@@ -2726,38 +2650,37 @@
           <a:p>
             <a:pPr lvl="0"/>
             <a:r>
-              <a:rPr lang="en-US" smtClean="0"/>
+              <a:rPr lang="en-US"/>
               <a:t>Click to edit Master text styles</a:t>
             </a:r>
           </a:p>
           <a:p>
             <a:pPr lvl="1"/>
             <a:r>
-              <a:rPr lang="en-US" smtClean="0"/>
+              <a:rPr lang="en-US"/>
               <a:t>Second level</a:t>
             </a:r>
           </a:p>
           <a:p>
             <a:pPr lvl="2"/>
             <a:r>
-              <a:rPr lang="en-US" smtClean="0"/>
+              <a:rPr lang="en-US"/>
               <a:t>Third level</a:t>
             </a:r>
           </a:p>
           <a:p>
             <a:pPr lvl="3"/>
             <a:r>
-              <a:rPr lang="en-US" smtClean="0"/>
+              <a:rPr lang="en-US"/>
               <a:t>Fourth level</a:t>
             </a:r>
           </a:p>
           <a:p>
             <a:pPr lvl="4"/>
             <a:r>
-              <a:rPr lang="en-US" smtClean="0"/>
+              <a:rPr lang="en-US"/>
               <a:t>Fifth level</a:t>
             </a:r>
-            <a:endParaRPr lang="en-US"/>
           </a:p>
         </p:txBody>
       </p:sp>
@@ -2797,7 +2720,7 @@
             <a:fld id="{1D8BD707-D9CF-40AE-B4C6-C98DA3205C09}" type="datetimeFigureOut">
               <a:rPr lang="en-US" smtClean="0"/>
               <a:pPr/>
-              <a:t>8/1/2011</a:t>
+              <a:t>2/5/2024</a:t>
             </a:fld>
             <a:endParaRPr lang="en-US"/>
           </a:p>
@@ -2876,7 +2799,7 @@
             <a:fld id="{B6F15528-21DE-4FAA-801E-634DDDAF4B2B}" type="slidenum">
               <a:rPr lang="en-US" smtClean="0"/>
               <a:pPr/>
-              <a:t>‹#›</a:t>
+              <a:t>‹N›</a:t>
             </a:fld>
             <a:endParaRPr lang="en-US"/>
           </a:p>
@@ -3152,13 +3075,14 @@
 </file>
 
 <file path=ppt/slides/slide1.xml><?xml version="1.0" encoding="utf-8"?>
-<p:sld xmlns:p="http://schemas.openxmlformats.org/presentationml/2006/main" xmlns:a="http://schemas.openxmlformats.org/drawingml/2006/main" xmlns:r="http://schemas.openxmlformats.org/officeDocument/2006/relationships">
+<p:sld xmlns:a="http://schemas.openxmlformats.org/drawingml/2006/main" xmlns:r="http://schemas.openxmlformats.org/officeDocument/2006/relationships" xmlns:p="http://schemas.openxmlformats.org/presentationml/2006/main">
   <p:cSld>
     <p:bg>
       <p:bgPr>
         <a:solidFill>
           <a:srgbClr val="253763"/>
         </a:solidFill>
+        <a:effectLst/>
       </p:bgPr>
     </p:bg>
     <p:spTree>
@@ -3177,12 +3101,12 @@
       </p:grpSpPr>
       <p:sp>
         <p:nvSpPr>
-          <p:cNvPr name="Freeform 2" id="2"/>
+          <p:cNvPr id="2" name="Freeform 2"/>
           <p:cNvSpPr/>
           <p:nvPr/>
         </p:nvSpPr>
         <p:spPr>
-          <a:xfrm flipH="false" flipV="false" rot="-5400000">
+          <a:xfrm rot="-5400000">
             <a:off x="4179147" y="1221249"/>
             <a:ext cx="6469214" cy="1470958"/>
           </a:xfrm>
@@ -3191,9 +3115,9 @@
             <a:gdLst/>
             <a:ahLst/>
             <a:cxnLst/>
-            <a:rect r="r" b="b" t="t" l="l"/>
+            <a:rect l="l" t="t" r="r" b="b"/>
             <a:pathLst>
-              <a:path h="1470958" w="6469214">
+              <a:path w="6469214" h="1470958">
                 <a:moveTo>
                   <a:pt x="0" y="0"/>
                 </a:moveTo>
@@ -3222,19 +3146,19 @@
               </a:extLst>
             </a:blip>
             <a:stretch>
-              <a:fillRect l="0" t="-122" r="0" b="-122"/>
+              <a:fillRect t="-122" b="-122"/>
             </a:stretch>
           </a:blipFill>
         </p:spPr>
       </p:sp>
       <p:sp>
         <p:nvSpPr>
-          <p:cNvPr name="Freeform 3" id="3"/>
+          <p:cNvPr id="3" name="Freeform 3"/>
           <p:cNvSpPr/>
           <p:nvPr/>
         </p:nvSpPr>
         <p:spPr>
-          <a:xfrm flipH="false" flipV="false" rot="-5400000">
+          <a:xfrm rot="-5400000">
             <a:off x="-2963393" y="1407646"/>
             <a:ext cx="6469214" cy="1470958"/>
           </a:xfrm>
@@ -3243,9 +3167,9 @@
             <a:gdLst/>
             <a:ahLst/>
             <a:cxnLst/>
-            <a:rect r="r" b="b" t="t" l="l"/>
+            <a:rect l="l" t="t" r="r" b="b"/>
             <a:pathLst>
-              <a:path h="1470958" w="6469214">
+              <a:path w="6469214" h="1470958">
                 <a:moveTo>
                   <a:pt x="0" y="0"/>
                 </a:moveTo>
@@ -3274,19 +3198,19 @@
               </a:extLst>
             </a:blip>
             <a:stretch>
-              <a:fillRect l="0" t="-122" r="0" b="-122"/>
+              <a:fillRect t="-122" b="-122"/>
             </a:stretch>
           </a:blipFill>
         </p:spPr>
       </p:sp>
       <p:grpSp>
         <p:nvGrpSpPr>
-          <p:cNvPr name="Group 4" id="4"/>
+          <p:cNvPr id="4" name="Group 4"/>
           <p:cNvGrpSpPr/>
           <p:nvPr/>
         </p:nvGrpSpPr>
         <p:grpSpPr>
-          <a:xfrm rot="0">
+          <a:xfrm>
             <a:off x="1825844" y="791178"/>
             <a:ext cx="4063562" cy="1252312"/>
             <a:chOff x="0" y="0"/>
@@ -3295,12 +3219,12 @@
         </p:grpSpPr>
         <p:sp>
           <p:nvSpPr>
-            <p:cNvPr name="Freeform 5" id="5"/>
+            <p:cNvPr id="5" name="Freeform 5"/>
             <p:cNvSpPr/>
             <p:nvPr/>
           </p:nvSpPr>
           <p:spPr>
-            <a:xfrm flipH="false" flipV="false" rot="0">
+            <a:xfrm>
               <a:off x="1897498" y="0"/>
               <a:ext cx="1669751" cy="1669750"/>
             </a:xfrm>
@@ -3309,9 +3233,9 @@
               <a:gdLst/>
               <a:ahLst/>
               <a:cxnLst/>
-              <a:rect r="r" b="b" t="t" l="l"/>
+              <a:rect l="l" t="t" r="r" b="b"/>
               <a:pathLst>
-                <a:path h="1669750" w="1669751">
+                <a:path w="1669751" h="1669750">
                   <a:moveTo>
                     <a:pt x="0" y="0"/>
                   </a:moveTo>
@@ -3340,19 +3264,19 @@
                 </a:extLst>
               </a:blip>
               <a:stretch>
-                <a:fillRect l="0" t="0" r="0" b="0"/>
+                <a:fillRect/>
               </a:stretch>
             </a:blipFill>
           </p:spPr>
         </p:sp>
         <p:sp>
           <p:nvSpPr>
-            <p:cNvPr name="Freeform 6" id="6"/>
+            <p:cNvPr id="6" name="Freeform 6"/>
             <p:cNvSpPr/>
             <p:nvPr/>
           </p:nvSpPr>
           <p:spPr>
-            <a:xfrm flipH="false" flipV="false" rot="0">
+            <a:xfrm>
               <a:off x="0" y="0"/>
               <a:ext cx="1669750" cy="1669750"/>
             </a:xfrm>
@@ -3361,9 +3285,9 @@
               <a:gdLst/>
               <a:ahLst/>
               <a:cxnLst/>
-              <a:rect r="r" b="b" t="t" l="l"/>
+              <a:rect l="l" t="t" r="r" b="b"/>
               <a:pathLst>
-                <a:path h="1669750" w="1669750">
+                <a:path w="1669750" h="1669750">
                   <a:moveTo>
                     <a:pt x="0" y="0"/>
                   </a:moveTo>
@@ -3392,19 +3316,19 @@
                 </a:extLst>
               </a:blip>
               <a:stretch>
-                <a:fillRect l="0" t="0" r="0" b="0"/>
+                <a:fillRect/>
               </a:stretch>
             </a:blipFill>
           </p:spPr>
         </p:sp>
         <p:sp>
           <p:nvSpPr>
-            <p:cNvPr name="Freeform 7" id="7"/>
+            <p:cNvPr id="7" name="Freeform 7"/>
             <p:cNvSpPr/>
             <p:nvPr/>
           </p:nvSpPr>
           <p:spPr>
-            <a:xfrm flipH="false" flipV="false" rot="0">
+            <a:xfrm>
               <a:off x="3748336" y="0"/>
               <a:ext cx="1669747" cy="1669750"/>
             </a:xfrm>
@@ -3413,9 +3337,9 @@
               <a:gdLst/>
               <a:ahLst/>
               <a:cxnLst/>
-              <a:rect r="r" b="b" t="t" l="l"/>
+              <a:rect l="l" t="t" r="r" b="b"/>
               <a:pathLst>
-                <a:path h="1669750" w="1669747">
+                <a:path w="1669747" h="1669750">
                   <a:moveTo>
                     <a:pt x="0" y="0"/>
                   </a:moveTo>
@@ -3444,19 +3368,19 @@
                 </a:extLst>
               </a:blip>
               <a:stretch>
-                <a:fillRect l="0" t="0" r="0" b="0"/>
+                <a:fillRect/>
               </a:stretch>
             </a:blipFill>
           </p:spPr>
         </p:sp>
         <p:sp>
           <p:nvSpPr>
-            <p:cNvPr name="Freeform 8" id="8"/>
+            <p:cNvPr id="8" name="Freeform 8"/>
             <p:cNvSpPr/>
             <p:nvPr/>
           </p:nvSpPr>
           <p:spPr>
-            <a:xfrm flipH="false" flipV="false" rot="0">
+            <a:xfrm>
               <a:off x="385190" y="323869"/>
               <a:ext cx="899370" cy="1022011"/>
             </a:xfrm>
@@ -3465,9 +3389,9 @@
               <a:gdLst/>
               <a:ahLst/>
               <a:cxnLst/>
-              <a:rect r="r" b="b" t="t" l="l"/>
+              <a:rect l="l" t="t" r="r" b="b"/>
               <a:pathLst>
-                <a:path h="1022011" w="899370">
+                <a:path w="899370" h="1022011">
                   <a:moveTo>
                     <a:pt x="0" y="0"/>
                   </a:moveTo>
@@ -3496,19 +3420,19 @@
                 </a:extLst>
               </a:blip>
               <a:stretch>
-                <a:fillRect l="0" t="0" r="0" b="0"/>
+                <a:fillRect/>
               </a:stretch>
             </a:blipFill>
           </p:spPr>
         </p:sp>
         <p:sp>
           <p:nvSpPr>
-            <p:cNvPr name="Freeform 9" id="9"/>
+            <p:cNvPr id="9" name="Freeform 9"/>
             <p:cNvSpPr/>
             <p:nvPr/>
           </p:nvSpPr>
           <p:spPr>
-            <a:xfrm flipH="false" flipV="false" rot="0">
+            <a:xfrm>
               <a:off x="2239587" y="323869"/>
               <a:ext cx="985573" cy="1067057"/>
             </a:xfrm>
@@ -3517,9 +3441,9 @@
               <a:gdLst/>
               <a:ahLst/>
               <a:cxnLst/>
-              <a:rect r="r" b="b" t="t" l="l"/>
+              <a:rect l="l" t="t" r="r" b="b"/>
               <a:pathLst>
-                <a:path h="1067057" w="985573">
+                <a:path w="985573" h="1067057">
                   <a:moveTo>
                     <a:pt x="0" y="0"/>
                   </a:moveTo>
@@ -3548,19 +3472,19 @@
                 </a:extLst>
               </a:blip>
               <a:stretch>
-                <a:fillRect l="0" t="0" r="0" b="0"/>
+                <a:fillRect/>
               </a:stretch>
             </a:blipFill>
           </p:spPr>
         </p:sp>
         <p:sp>
           <p:nvSpPr>
-            <p:cNvPr name="Freeform 10" id="10"/>
+            <p:cNvPr id="10" name="Freeform 10"/>
             <p:cNvSpPr/>
             <p:nvPr/>
           </p:nvSpPr>
           <p:spPr>
-            <a:xfrm flipH="false" flipV="false" rot="0">
+            <a:xfrm>
               <a:off x="4176849" y="323869"/>
               <a:ext cx="952144" cy="960942"/>
             </a:xfrm>
@@ -3569,9 +3493,9 @@
               <a:gdLst/>
               <a:ahLst/>
               <a:cxnLst/>
-              <a:rect r="r" b="b" t="t" l="l"/>
+              <a:rect l="l" t="t" r="r" b="b"/>
               <a:pathLst>
-                <a:path h="960942" w="952144">
+                <a:path w="952144" h="960942">
                   <a:moveTo>
                     <a:pt x="0" y="0"/>
                   </a:moveTo>
@@ -3600,7 +3524,7 @@
                 </a:extLst>
               </a:blip>
               <a:stretch>
-                <a:fillRect l="0" t="0" r="0" b="0"/>
+                <a:fillRect/>
               </a:stretch>
             </a:blipFill>
           </p:spPr>
@@ -3608,12 +3532,12 @@
       </p:grpSp>
       <p:sp>
         <p:nvSpPr>
-          <p:cNvPr name="TextBox 11" id="11"/>
-          <p:cNvSpPr txBox="true"/>
+          <p:cNvPr id="11" name="TextBox 11"/>
+          <p:cNvSpPr txBox="1"/>
           <p:nvPr/>
         </p:nvSpPr>
         <p:spPr>
-          <a:xfrm rot="0">
+          <a:xfrm>
             <a:off x="5013844" y="3309479"/>
             <a:ext cx="1510308" cy="735965"/>
           </a:xfrm>
@@ -3622,7 +3546,7 @@
           </a:prstGeom>
         </p:spPr>
         <p:txBody>
-          <a:bodyPr anchor="t" rtlCol="false" tIns="0" lIns="0" bIns="0" rIns="0">
+          <a:bodyPr lIns="0" tIns="0" rIns="0" bIns="0" rtlCol="0" anchor="t">
             <a:spAutoFit/>
           </a:bodyPr>
           <a:lstStyle/>
@@ -3678,35 +3602,35 @@
       </p:sp>
       <p:grpSp>
         <p:nvGrpSpPr>
-          <p:cNvPr name="Group 12" id="12"/>
+          <p:cNvPr id="12" name="Group 12"/>
           <p:cNvGrpSpPr/>
           <p:nvPr/>
         </p:nvGrpSpPr>
         <p:grpSpPr>
-          <a:xfrm rot="0">
-            <a:off x="1977331" y="2383177"/>
-            <a:ext cx="4003589" cy="611977"/>
-            <a:chOff x="0" y="0"/>
-            <a:chExt cx="5338119" cy="815970"/>
+          <a:xfrm>
+            <a:off x="1977331" y="2354602"/>
+            <a:ext cx="4003589" cy="640552"/>
+            <a:chOff x="0" y="-38100"/>
+            <a:chExt cx="5338119" cy="854070"/>
           </a:xfrm>
         </p:grpSpPr>
         <p:sp>
           <p:nvSpPr>
-            <p:cNvPr name="TextBox 13" id="13"/>
-            <p:cNvSpPr txBox="true"/>
+            <p:cNvPr id="13" name="TextBox 13"/>
+            <p:cNvSpPr txBox="1"/>
             <p:nvPr/>
           </p:nvSpPr>
           <p:spPr>
-            <a:xfrm rot="0">
+            <a:xfrm>
               <a:off x="0" y="-38100"/>
-              <a:ext cx="5338119" cy="429845"/>
+              <a:ext cx="5338119" cy="443711"/>
             </a:xfrm>
             <a:prstGeom prst="rect">
               <a:avLst/>
             </a:prstGeom>
           </p:spPr>
           <p:txBody>
-            <a:bodyPr anchor="t" rtlCol="false" tIns="0" lIns="0" bIns="0" rIns="0">
+            <a:bodyPr lIns="0" tIns="0" rIns="0" bIns="0" rtlCol="0" anchor="t">
               <a:spAutoFit/>
             </a:bodyPr>
             <a:lstStyle/>
@@ -3717,25 +3641,31 @@
                 </a:lnSpc>
               </a:pPr>
               <a:r>
-                <a:rPr lang="en-US" sz="1932" spc="96">
+                <a:rPr lang="en-US" sz="1900" spc="96" dirty="0">
                   <a:solidFill>
                     <a:srgbClr val="FFFFFF"/>
                   </a:solidFill>
                   <a:latin typeface="League Spartan"/>
                 </a:rPr>
-                <a:t>MATEMATIKO</a:t>
+                <a:t>MENTEMATIKO</a:t>
               </a:r>
+              <a:endParaRPr lang="en-US" sz="1932" spc="96" dirty="0">
+                <a:solidFill>
+                  <a:srgbClr val="FFFFFF"/>
+                </a:solidFill>
+                <a:latin typeface="League Spartan"/>
+              </a:endParaRPr>
             </a:p>
           </p:txBody>
         </p:sp>
         <p:sp>
           <p:nvSpPr>
-            <p:cNvPr name="TextBox 14" id="14"/>
-            <p:cNvSpPr txBox="true"/>
+            <p:cNvPr id="14" name="TextBox 14"/>
+            <p:cNvSpPr txBox="1"/>
             <p:nvPr/>
           </p:nvSpPr>
           <p:spPr>
-            <a:xfrm rot="0">
+            <a:xfrm>
               <a:off x="826162" y="504609"/>
               <a:ext cx="3389595" cy="311361"/>
             </a:xfrm>
@@ -3744,7 +3674,7 @@
             </a:prstGeom>
           </p:spPr>
           <p:txBody>
-            <a:bodyPr anchor="t" rtlCol="false" tIns="0" lIns="0" bIns="0" rIns="0">
+            <a:bodyPr lIns="0" tIns="0" rIns="0" bIns="0" rtlCol="0" anchor="t">
               <a:spAutoFit/>
             </a:bodyPr>
             <a:lstStyle/>
@@ -3769,12 +3699,12 @@
       </p:grpSp>
       <p:sp>
         <p:nvSpPr>
-          <p:cNvPr name="TextBox 15" id="15"/>
-          <p:cNvSpPr txBox="true"/>
+          <p:cNvPr id="15" name="TextBox 15"/>
+          <p:cNvSpPr txBox="1"/>
           <p:nvPr/>
         </p:nvSpPr>
         <p:spPr>
-          <a:xfrm rot="0">
+          <a:xfrm>
             <a:off x="1094169" y="3309479"/>
             <a:ext cx="1597819" cy="488315"/>
           </a:xfrm>
@@ -3783,7 +3713,7 @@
           </a:prstGeom>
         </p:spPr>
         <p:txBody>
-          <a:bodyPr anchor="t" rtlCol="false" tIns="0" lIns="0" bIns="0" rIns="0">
+          <a:bodyPr lIns="0" tIns="0" rIns="0" bIns="0" rtlCol="0" anchor="t">
             <a:spAutoFit/>
           </a:bodyPr>
           <a:lstStyle/>
@@ -3830,13 +3760,14 @@
 </file>
 
 <file path=ppt/slides/slide2.xml><?xml version="1.0" encoding="utf-8"?>
-<p:sld xmlns:p="http://schemas.openxmlformats.org/presentationml/2006/main" xmlns:a="http://schemas.openxmlformats.org/drawingml/2006/main" xmlns:r="http://schemas.openxmlformats.org/officeDocument/2006/relationships">
+<p:sld xmlns:a="http://schemas.openxmlformats.org/drawingml/2006/main" xmlns:r="http://schemas.openxmlformats.org/officeDocument/2006/relationships" xmlns:p="http://schemas.openxmlformats.org/presentationml/2006/main">
   <p:cSld>
     <p:bg>
       <p:bgPr>
         <a:solidFill>
           <a:srgbClr val="253763"/>
         </a:solidFill>
+        <a:effectLst/>
       </p:bgPr>
     </p:bg>
     <p:spTree>
@@ -3855,12 +3786,12 @@
       </p:grpSpPr>
       <p:grpSp>
         <p:nvGrpSpPr>
-          <p:cNvPr name="Group 2" id="2"/>
+          <p:cNvPr id="2" name="Group 2"/>
           <p:cNvGrpSpPr/>
           <p:nvPr/>
         </p:nvGrpSpPr>
         <p:grpSpPr>
-          <a:xfrm rot="0">
+          <a:xfrm>
             <a:off x="6038938" y="585430"/>
             <a:ext cx="739180" cy="3010839"/>
             <a:chOff x="0" y="0"/>
@@ -3869,12 +3800,12 @@
         </p:grpSpPr>
         <p:sp>
           <p:nvSpPr>
-            <p:cNvPr name="Freeform 3" id="3"/>
+            <p:cNvPr id="3" name="Freeform 3"/>
             <p:cNvSpPr/>
             <p:nvPr/>
           </p:nvSpPr>
           <p:spPr>
-            <a:xfrm flipH="false" flipV="false" rot="0">
+            <a:xfrm>
               <a:off x="0" y="0"/>
               <a:ext cx="899370" cy="1022011"/>
             </a:xfrm>
@@ -3883,9 +3814,9 @@
               <a:gdLst/>
               <a:ahLst/>
               <a:cxnLst/>
-              <a:rect r="r" b="b" t="t" l="l"/>
+              <a:rect l="l" t="t" r="r" b="b"/>
               <a:pathLst>
-                <a:path h="1022011" w="899370">
+                <a:path w="899370" h="1022011">
                   <a:moveTo>
                     <a:pt x="0" y="0"/>
                   </a:moveTo>
@@ -3914,19 +3845,19 @@
                 </a:extLst>
               </a:blip>
               <a:stretch>
-                <a:fillRect l="0" t="0" r="0" b="0"/>
+                <a:fillRect/>
               </a:stretch>
             </a:blipFill>
           </p:spPr>
         </p:sp>
         <p:sp>
           <p:nvSpPr>
-            <p:cNvPr name="Freeform 4" id="4"/>
+            <p:cNvPr id="4" name="Freeform 4"/>
             <p:cNvSpPr/>
             <p:nvPr/>
           </p:nvSpPr>
           <p:spPr>
-            <a:xfrm flipH="false" flipV="false" rot="0">
+            <a:xfrm>
               <a:off x="33429" y="3053511"/>
               <a:ext cx="952144" cy="960942"/>
             </a:xfrm>
@@ -3935,9 +3866,9 @@
               <a:gdLst/>
               <a:ahLst/>
               <a:cxnLst/>
-              <a:rect r="r" b="b" t="t" l="l"/>
+              <a:rect l="l" t="t" r="r" b="b"/>
               <a:pathLst>
-                <a:path h="960942" w="952144">
+                <a:path w="952144" h="960942">
                   <a:moveTo>
                     <a:pt x="0" y="0"/>
                   </a:moveTo>
@@ -3966,19 +3897,19 @@
                 </a:extLst>
               </a:blip>
               <a:stretch>
-                <a:fillRect l="0" t="0" r="0" b="0"/>
+                <a:fillRect/>
               </a:stretch>
             </a:blipFill>
           </p:spPr>
         </p:sp>
         <p:sp>
           <p:nvSpPr>
-            <p:cNvPr name="Freeform 5" id="5"/>
+            <p:cNvPr id="5" name="Freeform 5"/>
             <p:cNvSpPr/>
             <p:nvPr/>
           </p:nvSpPr>
           <p:spPr>
-            <a:xfrm flipH="false" flipV="false" rot="0">
+            <a:xfrm>
               <a:off x="0" y="1503853"/>
               <a:ext cx="985573" cy="1067057"/>
             </a:xfrm>
@@ -3987,9 +3918,9 @@
               <a:gdLst/>
               <a:ahLst/>
               <a:cxnLst/>
-              <a:rect r="r" b="b" t="t" l="l"/>
+              <a:rect l="l" t="t" r="r" b="b"/>
               <a:pathLst>
-                <a:path h="1067057" w="985573">
+                <a:path w="985573" h="1067057">
                   <a:moveTo>
                     <a:pt x="0" y="0"/>
                   </a:moveTo>
@@ -4018,7 +3949,7 @@
                 </a:extLst>
               </a:blip>
               <a:stretch>
-                <a:fillRect l="0" t="0" r="0" b="0"/>
+                <a:fillRect/>
               </a:stretch>
             </a:blipFill>
           </p:spPr>
@@ -4026,12 +3957,12 @@
       </p:grpSp>
       <p:sp>
         <p:nvSpPr>
-          <p:cNvPr name="Freeform 6" id="6"/>
+          <p:cNvPr id="6" name="Freeform 6"/>
           <p:cNvSpPr/>
           <p:nvPr/>
         </p:nvSpPr>
         <p:spPr>
-          <a:xfrm flipH="false" flipV="false" rot="0">
+          <a:xfrm>
             <a:off x="325615" y="3072413"/>
             <a:ext cx="1300843" cy="650421"/>
           </a:xfrm>
@@ -4040,9 +3971,9 @@
             <a:gdLst/>
             <a:ahLst/>
             <a:cxnLst/>
-            <a:rect r="r" b="b" t="t" l="l"/>
+            <a:rect l="l" t="t" r="r" b="b"/>
             <a:pathLst>
-              <a:path h="650421" w="1300843">
+              <a:path w="1300843" h="650421">
                 <a:moveTo>
                   <a:pt x="0" y="0"/>
                 </a:moveTo>
@@ -4071,19 +4002,19 @@
               </a:extLst>
             </a:blip>
             <a:stretch>
-              <a:fillRect l="0" t="0" r="0" b="0"/>
+              <a:fillRect/>
             </a:stretch>
           </a:blipFill>
         </p:spPr>
       </p:sp>
       <p:sp>
         <p:nvSpPr>
-          <p:cNvPr name="Freeform 7" id="7"/>
+          <p:cNvPr id="7" name="Freeform 7"/>
           <p:cNvSpPr/>
           <p:nvPr/>
         </p:nvSpPr>
         <p:spPr>
-          <a:xfrm flipH="false" flipV="false" rot="0">
+          <a:xfrm>
             <a:off x="1999049" y="2985059"/>
             <a:ext cx="872566" cy="872566"/>
           </a:xfrm>
@@ -4092,9 +4023,9 @@
             <a:gdLst/>
             <a:ahLst/>
             <a:cxnLst/>
-            <a:rect r="r" b="b" t="t" l="l"/>
+            <a:rect l="l" t="t" r="r" b="b"/>
             <a:pathLst>
-              <a:path h="872566" w="872566">
+              <a:path w="872566" h="872566">
                 <a:moveTo>
                   <a:pt x="0" y="0"/>
                 </a:moveTo>
@@ -4117,19 +4048,19 @@
           <a:blipFill>
             <a:blip r:embed="rId10"/>
             <a:stretch>
-              <a:fillRect l="0" t="0" r="0" b="0"/>
+              <a:fillRect/>
             </a:stretch>
           </a:blipFill>
         </p:spPr>
       </p:sp>
       <p:sp>
         <p:nvSpPr>
-          <p:cNvPr name="TextBox 8" id="8"/>
-          <p:cNvSpPr txBox="true"/>
+          <p:cNvPr id="8" name="TextBox 8"/>
+          <p:cNvSpPr txBox="1"/>
           <p:nvPr/>
         </p:nvSpPr>
         <p:spPr>
-          <a:xfrm rot="0">
+          <a:xfrm>
             <a:off x="651857" y="619434"/>
             <a:ext cx="1949202" cy="349250"/>
           </a:xfrm>
@@ -4138,7 +4069,7 @@
           </a:prstGeom>
         </p:spPr>
         <p:txBody>
-          <a:bodyPr anchor="t" rtlCol="false" tIns="0" lIns="0" bIns="0" rIns="0">
+          <a:bodyPr lIns="0" tIns="0" rIns="0" bIns="0" rtlCol="0" anchor="t">
             <a:spAutoFit/>
           </a:bodyPr>
           <a:lstStyle/>
@@ -4162,12 +4093,12 @@
       </p:sp>
       <p:sp>
         <p:nvSpPr>
-          <p:cNvPr name="TextBox 9" id="9"/>
-          <p:cNvSpPr txBox="true"/>
+          <p:cNvPr id="9" name="TextBox 9"/>
+          <p:cNvSpPr txBox="1"/>
           <p:nvPr/>
         </p:nvSpPr>
         <p:spPr>
-          <a:xfrm rot="0">
+          <a:xfrm>
             <a:off x="651857" y="2465988"/>
             <a:ext cx="2694384" cy="349250"/>
           </a:xfrm>
@@ -4176,7 +4107,7 @@
           </a:prstGeom>
         </p:spPr>
         <p:txBody>
-          <a:bodyPr anchor="t" rtlCol="false" tIns="0" lIns="0" bIns="0" rIns="0">
+          <a:bodyPr lIns="0" tIns="0" rIns="0" bIns="0" rtlCol="0" anchor="t">
             <a:spAutoFit/>
           </a:bodyPr>
           <a:lstStyle/>
@@ -4200,12 +4131,12 @@
       </p:sp>
       <p:sp>
         <p:nvSpPr>
-          <p:cNvPr name="TextBox 10" id="10"/>
-          <p:cNvSpPr txBox="true"/>
+          <p:cNvPr id="10" name="TextBox 10"/>
+          <p:cNvSpPr txBox="1"/>
           <p:nvPr/>
         </p:nvSpPr>
         <p:spPr>
-          <a:xfrm rot="0">
+          <a:xfrm>
             <a:off x="651857" y="1197919"/>
             <a:ext cx="3888854" cy="735965"/>
           </a:xfrm>
@@ -4214,7 +4145,7 @@
           </a:prstGeom>
         </p:spPr>
         <p:txBody>
-          <a:bodyPr anchor="t" rtlCol="false" tIns="0" lIns="0" bIns="0" rIns="0">
+          <a:bodyPr lIns="0" tIns="0" rIns="0" bIns="0" rtlCol="0" anchor="t">
             <a:spAutoFit/>
           </a:bodyPr>
           <a:lstStyle/>
@@ -4245,13 +4176,14 @@
 </file>
 
 <file path=ppt/slides/slide3.xml><?xml version="1.0" encoding="utf-8"?>
-<p:sld xmlns:p="http://schemas.openxmlformats.org/presentationml/2006/main" xmlns:a="http://schemas.openxmlformats.org/drawingml/2006/main" xmlns:r="http://schemas.openxmlformats.org/officeDocument/2006/relationships">
+<p:sld xmlns:a="http://schemas.openxmlformats.org/drawingml/2006/main" xmlns:r="http://schemas.openxmlformats.org/officeDocument/2006/relationships" xmlns:p="http://schemas.openxmlformats.org/presentationml/2006/main">
   <p:cSld>
     <p:bg>
       <p:bgPr>
         <a:solidFill>
           <a:srgbClr val="253763"/>
         </a:solidFill>
+        <a:effectLst/>
       </p:bgPr>
     </p:bg>
     <p:spTree>
@@ -4270,12 +4202,12 @@
       </p:grpSpPr>
       <p:sp>
         <p:nvSpPr>
-          <p:cNvPr name="TextBox 2" id="2"/>
-          <p:cNvSpPr txBox="true"/>
+          <p:cNvPr id="2" name="TextBox 2"/>
+          <p:cNvSpPr txBox="1"/>
           <p:nvPr/>
         </p:nvSpPr>
         <p:spPr>
-          <a:xfrm rot="0">
+          <a:xfrm>
             <a:off x="2836515" y="381000"/>
             <a:ext cx="2042220" cy="349250"/>
           </a:xfrm>
@@ -4284,7 +4216,7 @@
           </a:prstGeom>
         </p:spPr>
         <p:txBody>
-          <a:bodyPr anchor="t" rtlCol="false" tIns="0" lIns="0" bIns="0" rIns="0">
+          <a:bodyPr lIns="0" tIns="0" rIns="0" bIns="0" rtlCol="0" anchor="t">
             <a:spAutoFit/>
           </a:bodyPr>
           <a:lstStyle/>
@@ -4308,12 +4240,12 @@
       </p:sp>
       <p:sp>
         <p:nvSpPr>
-          <p:cNvPr name="TextBox 3" id="3"/>
-          <p:cNvSpPr txBox="true"/>
+          <p:cNvPr id="3" name="TextBox 3"/>
+          <p:cNvSpPr txBox="1"/>
           <p:nvPr/>
         </p:nvSpPr>
         <p:spPr>
-          <a:xfrm rot="0">
+          <a:xfrm>
             <a:off x="428625" y="1159510"/>
             <a:ext cx="6858000" cy="735965"/>
           </a:xfrm>
@@ -4322,7 +4254,7 @@
           </a:prstGeom>
         </p:spPr>
         <p:txBody>
-          <a:bodyPr anchor="t" rtlCol="false" tIns="0" lIns="0" bIns="0" rIns="0">
+          <a:bodyPr lIns="0" tIns="0" rIns="0" bIns="0" rtlCol="0" anchor="t">
             <a:spAutoFit/>
           </a:bodyPr>
           <a:lstStyle/>
@@ -4348,17 +4280,23 @@
                 <a:spcPts val="1960"/>
               </a:lnSpc>
             </a:pPr>
-          </a:p>
-        </p:txBody>
-      </p:sp>
-      <p:sp>
-        <p:nvSpPr>
-          <p:cNvPr name="TextBox 4" id="4"/>
-          <p:cNvSpPr txBox="true"/>
+            <a:endParaRPr lang="en-US" sz="1400">
+              <a:solidFill>
+                <a:srgbClr val="FFFFFF"/>
+              </a:solidFill>
+              <a:latin typeface="Open Sans 1"/>
+            </a:endParaRPr>
+          </a:p>
+        </p:txBody>
+      </p:sp>
+      <p:sp>
+        <p:nvSpPr>
+          <p:cNvPr id="4" name="TextBox 4"/>
+          <p:cNvSpPr txBox="1"/>
           <p:nvPr/>
         </p:nvSpPr>
         <p:spPr>
-          <a:xfrm rot="0">
+          <a:xfrm>
             <a:off x="428625" y="2114550"/>
             <a:ext cx="6858000" cy="1726565"/>
           </a:xfrm>
@@ -4367,7 +4305,7 @@
           </a:prstGeom>
         </p:spPr>
         <p:txBody>
-          <a:bodyPr anchor="t" rtlCol="false" tIns="0" lIns="0" bIns="0" rIns="0">
+          <a:bodyPr lIns="0" tIns="0" rIns="0" bIns="0" rtlCol="0" anchor="t">
             <a:spAutoFit/>
           </a:bodyPr>
           <a:lstStyle/>
@@ -4441,17 +4379,23 @@
                 <a:spcPts val="1959"/>
               </a:lnSpc>
             </a:pPr>
-          </a:p>
-        </p:txBody>
-      </p:sp>
-      <p:sp>
-        <p:nvSpPr>
-          <p:cNvPr name="Freeform 5" id="5"/>
+            <a:endParaRPr lang="en-US" sz="1399">
+              <a:solidFill>
+                <a:srgbClr val="FFFFFF"/>
+              </a:solidFill>
+              <a:latin typeface="Open Sans 2"/>
+            </a:endParaRPr>
+          </a:p>
+        </p:txBody>
+      </p:sp>
+      <p:sp>
+        <p:nvSpPr>
+          <p:cNvPr id="5" name="Freeform 5"/>
           <p:cNvSpPr/>
           <p:nvPr/>
         </p:nvSpPr>
         <p:spPr>
-          <a:xfrm flipH="false" flipV="false" rot="-2410832">
+          <a:xfrm rot="-2410832">
             <a:off x="-2715798" y="-234497"/>
             <a:ext cx="6469214" cy="1470958"/>
           </a:xfrm>
@@ -4460,9 +4404,9 @@
             <a:gdLst/>
             <a:ahLst/>
             <a:cxnLst/>
-            <a:rect r="r" b="b" t="t" l="l"/>
+            <a:rect l="l" t="t" r="r" b="b"/>
             <a:pathLst>
-              <a:path h="1470958" w="6469214">
+              <a:path w="6469214" h="1470958">
                 <a:moveTo>
                   <a:pt x="0" y="0"/>
                 </a:moveTo>
@@ -4491,19 +4435,19 @@
               </a:extLst>
             </a:blip>
             <a:stretch>
-              <a:fillRect l="0" t="-122" r="0" b="-122"/>
+              <a:fillRect t="-122" b="-122"/>
             </a:stretch>
           </a:blipFill>
         </p:spPr>
       </p:sp>
       <p:sp>
         <p:nvSpPr>
-          <p:cNvPr name="Freeform 6" id="6"/>
+          <p:cNvPr id="6" name="Freeform 6"/>
           <p:cNvSpPr/>
           <p:nvPr/>
         </p:nvSpPr>
         <p:spPr>
-          <a:xfrm flipH="false" flipV="false" rot="-2410832">
+          <a:xfrm rot="-2410832">
             <a:off x="3409779" y="3451615"/>
             <a:ext cx="6469214" cy="1470958"/>
           </a:xfrm>
@@ -4512,9 +4456,9 @@
             <a:gdLst/>
             <a:ahLst/>
             <a:cxnLst/>
-            <a:rect r="r" b="b" t="t" l="l"/>
+            <a:rect l="l" t="t" r="r" b="b"/>
             <a:pathLst>
-              <a:path h="1470958" w="6469214">
+              <a:path w="6469214" h="1470958">
                 <a:moveTo>
                   <a:pt x="0" y="0"/>
                 </a:moveTo>
@@ -4543,7 +4487,7 @@
               </a:extLst>
             </a:blip>
             <a:stretch>
-              <a:fillRect l="0" t="-122" r="0" b="-122"/>
+              <a:fillRect t="-122" b="-122"/>
             </a:stretch>
           </a:blipFill>
         </p:spPr>
@@ -4557,13 +4501,14 @@
 </file>
 
 <file path=ppt/slides/slide4.xml><?xml version="1.0" encoding="utf-8"?>
-<p:sld xmlns:p="http://schemas.openxmlformats.org/presentationml/2006/main" xmlns:a="http://schemas.openxmlformats.org/drawingml/2006/main" xmlns:r="http://schemas.openxmlformats.org/officeDocument/2006/relationships">
+<p:sld xmlns:a="http://schemas.openxmlformats.org/drawingml/2006/main" xmlns:r="http://schemas.openxmlformats.org/officeDocument/2006/relationships" xmlns:p="http://schemas.openxmlformats.org/presentationml/2006/main">
   <p:cSld>
     <p:bg>
       <p:bgPr>
         <a:solidFill>
           <a:srgbClr val="253763"/>
         </a:solidFill>
+        <a:effectLst/>
       </p:bgPr>
     </p:bg>
     <p:spTree>
@@ -4582,12 +4527,12 @@
       </p:grpSpPr>
       <p:sp>
         <p:nvSpPr>
-          <p:cNvPr name="Freeform 2" id="2"/>
+          <p:cNvPr id="2" name="Freeform 2"/>
           <p:cNvSpPr/>
           <p:nvPr/>
         </p:nvSpPr>
         <p:spPr>
-          <a:xfrm flipH="false" flipV="false" rot="-5400000">
+          <a:xfrm rot="-5400000">
             <a:off x="4210220" y="1935966"/>
             <a:ext cx="6469214" cy="1470958"/>
           </a:xfrm>
@@ -4596,9 +4541,9 @@
             <a:gdLst/>
             <a:ahLst/>
             <a:cxnLst/>
-            <a:rect r="r" b="b" t="t" l="l"/>
+            <a:rect l="l" t="t" r="r" b="b"/>
             <a:pathLst>
-              <a:path h="1470958" w="6469214">
+              <a:path w="6469214" h="1470958">
                 <a:moveTo>
                   <a:pt x="0" y="0"/>
                 </a:moveTo>
@@ -4627,19 +4572,19 @@
               </a:extLst>
             </a:blip>
             <a:stretch>
-              <a:fillRect l="0" t="-122" r="0" b="-122"/>
+              <a:fillRect t="-122" b="-122"/>
             </a:stretch>
           </a:blipFill>
         </p:spPr>
       </p:sp>
       <p:sp>
         <p:nvSpPr>
-          <p:cNvPr name="Freeform 3" id="3"/>
+          <p:cNvPr id="3" name="Freeform 3"/>
           <p:cNvSpPr/>
           <p:nvPr/>
         </p:nvSpPr>
         <p:spPr>
-          <a:xfrm flipH="false" flipV="false" rot="0">
+          <a:xfrm>
             <a:off x="633519" y="1956515"/>
             <a:ext cx="2849966" cy="714930"/>
           </a:xfrm>
@@ -4648,9 +4593,9 @@
             <a:gdLst/>
             <a:ahLst/>
             <a:cxnLst/>
-            <a:rect r="r" b="b" t="t" l="l"/>
+            <a:rect l="l" t="t" r="r" b="b"/>
             <a:pathLst>
-              <a:path h="714930" w="2849966">
+              <a:path w="2849966" h="714930">
                 <a:moveTo>
                   <a:pt x="0" y="0"/>
                 </a:moveTo>
@@ -4673,19 +4618,19 @@
           <a:blipFill>
             <a:blip r:embed="rId4"/>
             <a:stretch>
-              <a:fillRect l="0" t="0" r="-1076" b="0"/>
+              <a:fillRect r="-1076"/>
             </a:stretch>
           </a:blipFill>
         </p:spPr>
       </p:sp>
       <p:sp>
         <p:nvSpPr>
-          <p:cNvPr name="Freeform 4" id="4"/>
+          <p:cNvPr id="4" name="Freeform 4"/>
           <p:cNvSpPr/>
           <p:nvPr/>
         </p:nvSpPr>
         <p:spPr>
-          <a:xfrm flipH="false" flipV="false" rot="0">
+          <a:xfrm>
             <a:off x="633519" y="2804795"/>
             <a:ext cx="2849966" cy="707080"/>
           </a:xfrm>
@@ -4694,9 +4639,9 @@
             <a:gdLst/>
             <a:ahLst/>
             <a:cxnLst/>
-            <a:rect r="r" b="b" t="t" l="l"/>
+            <a:rect l="l" t="t" r="r" b="b"/>
             <a:pathLst>
-              <a:path h="707080" w="2849966">
+              <a:path w="2849966" h="707080">
                 <a:moveTo>
                   <a:pt x="0" y="0"/>
                 </a:moveTo>
@@ -4719,19 +4664,19 @@
           <a:blipFill>
             <a:blip r:embed="rId5"/>
             <a:stretch>
-              <a:fillRect l="0" t="0" r="0" b="0"/>
+              <a:fillRect/>
             </a:stretch>
           </a:blipFill>
         </p:spPr>
       </p:sp>
       <p:sp>
         <p:nvSpPr>
-          <p:cNvPr name="Freeform 5" id="5"/>
+          <p:cNvPr id="5" name="Freeform 5"/>
           <p:cNvSpPr/>
           <p:nvPr/>
         </p:nvSpPr>
         <p:spPr>
-          <a:xfrm flipH="false" flipV="false" rot="0">
+          <a:xfrm>
             <a:off x="633519" y="1093056"/>
             <a:ext cx="2849966" cy="730981"/>
           </a:xfrm>
@@ -4740,9 +4685,9 @@
             <a:gdLst/>
             <a:ahLst/>
             <a:cxnLst/>
-            <a:rect r="r" b="b" t="t" l="l"/>
+            <a:rect l="l" t="t" r="r" b="b"/>
             <a:pathLst>
-              <a:path h="730981" w="2849966">
+              <a:path w="2849966" h="730981">
                 <a:moveTo>
                   <a:pt x="0" y="0"/>
                 </a:moveTo>
@@ -4765,19 +4710,19 @@
           <a:blipFill>
             <a:blip r:embed="rId6"/>
             <a:stretch>
-              <a:fillRect l="0" t="0" r="-1584" b="0"/>
+              <a:fillRect r="-1584"/>
             </a:stretch>
           </a:blipFill>
         </p:spPr>
       </p:sp>
       <p:sp>
         <p:nvSpPr>
-          <p:cNvPr name="Freeform 6" id="6"/>
+          <p:cNvPr id="6" name="Freeform 6"/>
           <p:cNvSpPr/>
           <p:nvPr/>
         </p:nvSpPr>
         <p:spPr>
-          <a:xfrm flipH="false" flipV="false" rot="0">
+          <a:xfrm>
             <a:off x="4035635" y="1044995"/>
             <a:ext cx="115845" cy="505675"/>
           </a:xfrm>
@@ -4786,9 +4731,9 @@
             <a:gdLst/>
             <a:ahLst/>
             <a:cxnLst/>
-            <a:rect r="r" b="b" t="t" l="l"/>
+            <a:rect l="l" t="t" r="r" b="b"/>
             <a:pathLst>
-              <a:path h="505675" w="115845">
+              <a:path w="115845" h="505675">
                 <a:moveTo>
                   <a:pt x="0" y="0"/>
                 </a:moveTo>
@@ -4817,19 +4762,19 @@
               </a:extLst>
             </a:blip>
             <a:stretch>
-              <a:fillRect l="0" t="0" r="0" b="0"/>
+              <a:fillRect/>
             </a:stretch>
           </a:blipFill>
         </p:spPr>
       </p:sp>
       <p:sp>
         <p:nvSpPr>
-          <p:cNvPr name="TextBox 7" id="7"/>
-          <p:cNvSpPr txBox="true"/>
+          <p:cNvPr id="7" name="TextBox 7"/>
+          <p:cNvSpPr txBox="1"/>
           <p:nvPr/>
         </p:nvSpPr>
         <p:spPr>
-          <a:xfrm rot="0">
+          <a:xfrm>
             <a:off x="3127391" y="1483995"/>
             <a:ext cx="9525" cy="613410"/>
           </a:xfrm>
@@ -4838,7 +4783,7 @@
           </a:prstGeom>
         </p:spPr>
         <p:txBody>
-          <a:bodyPr anchor="t" rtlCol="false" tIns="0" lIns="0" bIns="0" rIns="0">
+          <a:bodyPr lIns="0" tIns="0" rIns="0" bIns="0" rtlCol="0" anchor="t">
             <a:spAutoFit/>
           </a:bodyPr>
           <a:lstStyle/>
@@ -4848,17 +4793,18 @@
                 <a:spcPts val="5040"/>
               </a:lnSpc>
             </a:pPr>
-          </a:p>
-        </p:txBody>
-      </p:sp>
-      <p:sp>
-        <p:nvSpPr>
-          <p:cNvPr name="TextBox 8" id="8"/>
-          <p:cNvSpPr txBox="true"/>
+            <a:endParaRPr/>
+          </a:p>
+        </p:txBody>
+      </p:sp>
+      <p:sp>
+        <p:nvSpPr>
+          <p:cNvPr id="8" name="TextBox 8"/>
+          <p:cNvSpPr txBox="1"/>
           <p:nvPr/>
         </p:nvSpPr>
         <p:spPr>
-          <a:xfrm rot="0">
+          <a:xfrm>
             <a:off x="428625" y="381000"/>
             <a:ext cx="2874764" cy="349250"/>
           </a:xfrm>
@@ -4867,7 +4813,7 @@
           </a:prstGeom>
         </p:spPr>
         <p:txBody>
-          <a:bodyPr anchor="t" rtlCol="false" tIns="0" lIns="0" bIns="0" rIns="0">
+          <a:bodyPr lIns="0" tIns="0" rIns="0" bIns="0" rtlCol="0" anchor="t">
             <a:spAutoFit/>
           </a:bodyPr>
           <a:lstStyle/>
@@ -4891,12 +4837,12 @@
       </p:sp>
       <p:sp>
         <p:nvSpPr>
-          <p:cNvPr name="Freeform 9" id="9"/>
+          <p:cNvPr id="9" name="Freeform 9"/>
           <p:cNvSpPr/>
           <p:nvPr/>
         </p:nvSpPr>
         <p:spPr>
-          <a:xfrm flipH="false" flipV="false" rot="0">
+          <a:xfrm>
             <a:off x="4040317" y="1891147"/>
             <a:ext cx="115452" cy="503956"/>
           </a:xfrm>
@@ -4905,9 +4851,9 @@
             <a:gdLst/>
             <a:ahLst/>
             <a:cxnLst/>
-            <a:rect r="r" b="b" t="t" l="l"/>
+            <a:rect l="l" t="t" r="r" b="b"/>
             <a:pathLst>
-              <a:path h="503956" w="115452">
+              <a:path w="115452" h="503956">
                 <a:moveTo>
                   <a:pt x="0" y="0"/>
                 </a:moveTo>
@@ -4936,19 +4882,19 @@
               </a:extLst>
             </a:blip>
             <a:stretch>
-              <a:fillRect l="0" t="0" r="0" b="0"/>
+              <a:fillRect/>
             </a:stretch>
           </a:blipFill>
         </p:spPr>
       </p:sp>
       <p:sp>
         <p:nvSpPr>
-          <p:cNvPr name="Freeform 10" id="10"/>
+          <p:cNvPr id="10" name="Freeform 10"/>
           <p:cNvSpPr/>
           <p:nvPr/>
         </p:nvSpPr>
         <p:spPr>
-          <a:xfrm flipH="false" flipV="false" rot="0">
+          <a:xfrm>
             <a:off x="4093558" y="2906726"/>
             <a:ext cx="115283" cy="503219"/>
           </a:xfrm>
@@ -4957,9 +4903,9 @@
             <a:gdLst/>
             <a:ahLst/>
             <a:cxnLst/>
-            <a:rect r="r" b="b" t="t" l="l"/>
+            <a:rect l="l" t="t" r="r" b="b"/>
             <a:pathLst>
-              <a:path h="503219" w="115283">
+              <a:path w="115283" h="503219">
                 <a:moveTo>
                   <a:pt x="0" y="0"/>
                 </a:moveTo>
@@ -4988,19 +4934,19 @@
               </a:extLst>
             </a:blip>
             <a:stretch>
-              <a:fillRect l="0" t="0" r="0" b="0"/>
+              <a:fillRect/>
             </a:stretch>
           </a:blipFill>
         </p:spPr>
       </p:sp>
       <p:sp>
         <p:nvSpPr>
-          <p:cNvPr name="TextBox 11" id="11"/>
-          <p:cNvSpPr txBox="true"/>
+          <p:cNvPr id="11" name="TextBox 11"/>
+          <p:cNvSpPr txBox="1"/>
           <p:nvPr/>
         </p:nvSpPr>
         <p:spPr>
-          <a:xfrm rot="0">
+          <a:xfrm>
             <a:off x="4470643" y="1163213"/>
             <a:ext cx="1906191" cy="240665"/>
           </a:xfrm>
@@ -5009,7 +4955,7 @@
           </a:prstGeom>
         </p:spPr>
         <p:txBody>
-          <a:bodyPr anchor="t" rtlCol="false" tIns="0" lIns="0" bIns="0" rIns="0">
+          <a:bodyPr lIns="0" tIns="0" rIns="0" bIns="0" rtlCol="0" anchor="t">
             <a:spAutoFit/>
           </a:bodyPr>
           <a:lstStyle/>
@@ -5033,12 +4979,12 @@
       </p:sp>
       <p:sp>
         <p:nvSpPr>
-          <p:cNvPr name="TextBox 12" id="12"/>
-          <p:cNvSpPr txBox="true"/>
+          <p:cNvPr id="12" name="TextBox 12"/>
+          <p:cNvSpPr txBox="1"/>
           <p:nvPr/>
         </p:nvSpPr>
         <p:spPr>
-          <a:xfrm rot="0">
+          <a:xfrm>
             <a:off x="4401128" y="1927940"/>
             <a:ext cx="1964532" cy="488315"/>
           </a:xfrm>
@@ -5047,7 +4993,7 @@
           </a:prstGeom>
         </p:spPr>
         <p:txBody>
-          <a:bodyPr anchor="t" rtlCol="false" tIns="0" lIns="0" bIns="0" rIns="0">
+          <a:bodyPr lIns="0" tIns="0" rIns="0" bIns="0" rtlCol="0" anchor="t">
             <a:spAutoFit/>
           </a:bodyPr>
           <a:lstStyle/>
@@ -5071,12 +5017,12 @@
       </p:sp>
       <p:sp>
         <p:nvSpPr>
-          <p:cNvPr name="TextBox 13" id="13"/>
-          <p:cNvSpPr txBox="true"/>
+          <p:cNvPr id="13" name="TextBox 13"/>
+          <p:cNvSpPr txBox="1"/>
           <p:nvPr/>
         </p:nvSpPr>
         <p:spPr>
-          <a:xfrm rot="0">
+          <a:xfrm>
             <a:off x="4234870" y="2921630"/>
             <a:ext cx="2297046" cy="488315"/>
           </a:xfrm>
@@ -5085,7 +5031,7 @@
           </a:prstGeom>
         </p:spPr>
         <p:txBody>
-          <a:bodyPr anchor="t" rtlCol="false" tIns="0" lIns="0" bIns="0" rIns="0">
+          <a:bodyPr lIns="0" tIns="0" rIns="0" bIns="0" rtlCol="0" anchor="t">
             <a:spAutoFit/>
           </a:bodyPr>
           <a:lstStyle/>
@@ -5116,13 +5062,14 @@
 </file>
 
 <file path=ppt/slides/slide5.xml><?xml version="1.0" encoding="utf-8"?>
-<p:sld xmlns:p="http://schemas.openxmlformats.org/presentationml/2006/main" xmlns:a="http://schemas.openxmlformats.org/drawingml/2006/main" xmlns:r="http://schemas.openxmlformats.org/officeDocument/2006/relationships">
+<p:sld xmlns:a="http://schemas.openxmlformats.org/drawingml/2006/main" xmlns:r="http://schemas.openxmlformats.org/officeDocument/2006/relationships" xmlns:p="http://schemas.openxmlformats.org/presentationml/2006/main">
   <p:cSld>
     <p:bg>
       <p:bgPr>
         <a:solidFill>
           <a:srgbClr val="253763"/>
         </a:solidFill>
+        <a:effectLst/>
       </p:bgPr>
     </p:bg>
     <p:spTree>
@@ -5141,12 +5088,12 @@
       </p:grpSpPr>
       <p:sp>
         <p:nvSpPr>
-          <p:cNvPr name="Freeform 2" id="2"/>
+          <p:cNvPr id="2" name="Freeform 2"/>
           <p:cNvSpPr/>
           <p:nvPr/>
         </p:nvSpPr>
         <p:spPr>
-          <a:xfrm flipH="false" flipV="false" rot="0">
+          <a:xfrm>
             <a:off x="2503002" y="428625"/>
             <a:ext cx="2821665" cy="760486"/>
           </a:xfrm>
@@ -5155,9 +5102,9 @@
             <a:gdLst/>
             <a:ahLst/>
             <a:cxnLst/>
-            <a:rect r="r" b="b" t="t" l="l"/>
+            <a:rect l="l" t="t" r="r" b="b"/>
             <a:pathLst>
-              <a:path h="760486" w="2821665">
+              <a:path w="2821665" h="760486">
                 <a:moveTo>
                   <a:pt x="0" y="0"/>
                 </a:moveTo>
@@ -5180,19 +5127,19 @@
           <a:blipFill>
             <a:blip r:embed="rId2"/>
             <a:stretch>
-              <a:fillRect l="0" t="0" r="0" b="0"/>
+              <a:fillRect/>
             </a:stretch>
           </a:blipFill>
         </p:spPr>
       </p:sp>
       <p:sp>
         <p:nvSpPr>
-          <p:cNvPr name="TextBox 3" id="3"/>
-          <p:cNvSpPr txBox="true"/>
+          <p:cNvPr id="3" name="TextBox 3"/>
+          <p:cNvSpPr txBox="1"/>
           <p:nvPr/>
         </p:nvSpPr>
         <p:spPr>
-          <a:xfrm rot="0">
+          <a:xfrm>
             <a:off x="593730" y="1565783"/>
             <a:ext cx="1432471" cy="264160"/>
           </a:xfrm>
@@ -5201,7 +5148,7 @@
           </a:prstGeom>
         </p:spPr>
         <p:txBody>
-          <a:bodyPr anchor="t" rtlCol="false" tIns="0" lIns="0" bIns="0" rIns="0">
+          <a:bodyPr lIns="0" tIns="0" rIns="0" bIns="0" rtlCol="0" anchor="t">
             <a:spAutoFit/>
           </a:bodyPr>
           <a:lstStyle/>
@@ -5225,12 +5172,12 @@
       </p:sp>
       <p:sp>
         <p:nvSpPr>
-          <p:cNvPr name="Freeform 4" id="4"/>
+          <p:cNvPr id="4" name="Freeform 4"/>
           <p:cNvSpPr/>
           <p:nvPr/>
         </p:nvSpPr>
         <p:spPr>
-          <a:xfrm flipH="false" flipV="false" rot="-2302221">
+          <a:xfrm rot="-2302221">
             <a:off x="-2805982" y="-67947"/>
             <a:ext cx="6469214" cy="1470958"/>
           </a:xfrm>
@@ -5239,9 +5186,9 @@
             <a:gdLst/>
             <a:ahLst/>
             <a:cxnLst/>
-            <a:rect r="r" b="b" t="t" l="l"/>
+            <a:rect l="l" t="t" r="r" b="b"/>
             <a:pathLst>
-              <a:path h="1470958" w="6469214">
+              <a:path w="6469214" h="1470958">
                 <a:moveTo>
                   <a:pt x="0" y="0"/>
                 </a:moveTo>
@@ -5270,19 +5217,19 @@
               </a:extLst>
             </a:blip>
             <a:stretch>
-              <a:fillRect l="0" t="-122" r="0" b="-122"/>
+              <a:fillRect t="-122" b="-122"/>
             </a:stretch>
           </a:blipFill>
         </p:spPr>
       </p:sp>
       <p:sp>
         <p:nvSpPr>
-          <p:cNvPr name="Freeform 5" id="5"/>
+          <p:cNvPr id="5" name="Freeform 5"/>
           <p:cNvSpPr/>
           <p:nvPr/>
         </p:nvSpPr>
         <p:spPr>
-          <a:xfrm flipH="false" flipV="false" rot="-2302221">
+          <a:xfrm rot="-2302221">
             <a:off x="3922671" y="2828023"/>
             <a:ext cx="6469214" cy="1470958"/>
           </a:xfrm>
@@ -5291,9 +5238,9 @@
             <a:gdLst/>
             <a:ahLst/>
             <a:cxnLst/>
-            <a:rect r="r" b="b" t="t" l="l"/>
+            <a:rect l="l" t="t" r="r" b="b"/>
             <a:pathLst>
-              <a:path h="1470958" w="6469214">
+              <a:path w="6469214" h="1470958">
                 <a:moveTo>
                   <a:pt x="0" y="0"/>
                 </a:moveTo>
@@ -5322,16 +5269,16 @@
               </a:extLst>
             </a:blip>
             <a:stretch>
-              <a:fillRect l="0" t="-122" r="0" b="-122"/>
+              <a:fillRect t="-122" b="-122"/>
             </a:stretch>
           </a:blipFill>
         </p:spPr>
       </p:sp>
       <p:pic>
         <p:nvPicPr>
-          <p:cNvPr name="Picture 6" id="6"/>
+          <p:cNvPr id="6" name="Picture 6"/>
           <p:cNvPicPr>
-            <a:picLocks noChangeAspect="true"/>
+            <a:picLocks noChangeAspect="1"/>
           </p:cNvPicPr>
           <p:nvPr/>
         </p:nvPicPr>
@@ -5342,7 +5289,7 @@
           </a:stretch>
         </p:blipFill>
         <p:spPr>
-          <a:xfrm rot="0">
+          <a:xfrm>
             <a:off x="2468218" y="1113169"/>
             <a:ext cx="3051574" cy="2843624"/>
           </a:xfrm>
@@ -5353,12 +5300,12 @@
       </p:pic>
       <p:sp>
         <p:nvSpPr>
-          <p:cNvPr name="TextBox 7" id="7"/>
-          <p:cNvSpPr txBox="true"/>
+          <p:cNvPr id="7" name="TextBox 7"/>
+          <p:cNvSpPr txBox="1"/>
           <p:nvPr/>
         </p:nvSpPr>
         <p:spPr>
-          <a:xfrm rot="0">
+          <a:xfrm>
             <a:off x="931588" y="1898015"/>
             <a:ext cx="884748" cy="86089"/>
           </a:xfrm>
@@ -5367,7 +5314,7 @@
           </a:prstGeom>
         </p:spPr>
         <p:txBody>
-          <a:bodyPr anchor="t" rtlCol="false" tIns="0" lIns="0" bIns="0" rIns="0">
+          <a:bodyPr lIns="0" tIns="0" rIns="0" bIns="0" rtlCol="0" anchor="t">
             <a:spAutoFit/>
           </a:bodyPr>
           <a:lstStyle/>
@@ -5398,13 +5345,14 @@
 </file>
 
 <file path=ppt/slides/slide6.xml><?xml version="1.0" encoding="utf-8"?>
-<p:sld xmlns:p="http://schemas.openxmlformats.org/presentationml/2006/main" xmlns:a="http://schemas.openxmlformats.org/drawingml/2006/main" xmlns:r="http://schemas.openxmlformats.org/officeDocument/2006/relationships">
+<p:sld xmlns:a="http://schemas.openxmlformats.org/drawingml/2006/main" xmlns:r="http://schemas.openxmlformats.org/officeDocument/2006/relationships" xmlns:p="http://schemas.openxmlformats.org/presentationml/2006/main">
   <p:cSld>
     <p:bg>
       <p:bgPr>
         <a:solidFill>
           <a:srgbClr val="253763"/>
         </a:solidFill>
+        <a:effectLst/>
       </p:bgPr>
     </p:bg>
     <p:spTree>
@@ -5423,12 +5371,12 @@
       </p:grpSpPr>
       <p:sp>
         <p:nvSpPr>
-          <p:cNvPr name="Freeform 2" id="2"/>
+          <p:cNvPr id="2" name="Freeform 2"/>
           <p:cNvSpPr/>
           <p:nvPr/>
         </p:nvSpPr>
         <p:spPr>
-          <a:xfrm flipH="false" flipV="false" rot="0">
+          <a:xfrm>
             <a:off x="2503002" y="428625"/>
             <a:ext cx="2821665" cy="760486"/>
           </a:xfrm>
@@ -5437,9 +5385,9 @@
             <a:gdLst/>
             <a:ahLst/>
             <a:cxnLst/>
-            <a:rect r="r" b="b" t="t" l="l"/>
+            <a:rect l="l" t="t" r="r" b="b"/>
             <a:pathLst>
-              <a:path h="760486" w="2821665">
+              <a:path w="2821665" h="760486">
                 <a:moveTo>
                   <a:pt x="0" y="0"/>
                 </a:moveTo>
@@ -5462,19 +5410,19 @@
           <a:blipFill>
             <a:blip r:embed="rId2"/>
             <a:stretch>
-              <a:fillRect l="0" t="0" r="0" b="0"/>
+              <a:fillRect/>
             </a:stretch>
           </a:blipFill>
         </p:spPr>
       </p:sp>
       <p:sp>
         <p:nvSpPr>
-          <p:cNvPr name="Freeform 3" id="3"/>
+          <p:cNvPr id="3" name="Freeform 3"/>
           <p:cNvSpPr/>
           <p:nvPr/>
         </p:nvSpPr>
         <p:spPr>
-          <a:xfrm flipH="false" flipV="false" rot="0">
+          <a:xfrm>
             <a:off x="579727" y="1708812"/>
             <a:ext cx="620672" cy="620672"/>
           </a:xfrm>
@@ -5483,9 +5431,9 @@
             <a:gdLst/>
             <a:ahLst/>
             <a:cxnLst/>
-            <a:rect r="r" b="b" t="t" l="l"/>
+            <a:rect l="l" t="t" r="r" b="b"/>
             <a:pathLst>
-              <a:path h="620672" w="620672">
+              <a:path w="620672" h="620672">
                 <a:moveTo>
                   <a:pt x="0" y="0"/>
                 </a:moveTo>
@@ -5514,19 +5462,19 @@
               </a:extLst>
             </a:blip>
             <a:stretch>
-              <a:fillRect l="0" t="0" r="0" b="0"/>
+              <a:fillRect/>
             </a:stretch>
           </a:blipFill>
         </p:spPr>
       </p:sp>
       <p:sp>
         <p:nvSpPr>
-          <p:cNvPr name="TextBox 4" id="4"/>
-          <p:cNvSpPr txBox="true"/>
+          <p:cNvPr id="4" name="TextBox 4"/>
+          <p:cNvSpPr txBox="1"/>
           <p:nvPr/>
         </p:nvSpPr>
         <p:spPr>
-          <a:xfrm rot="0">
+          <a:xfrm>
             <a:off x="1268591" y="1878965"/>
             <a:ext cx="2252662" cy="264160"/>
           </a:xfrm>
@@ -5535,7 +5483,7 @@
           </a:prstGeom>
         </p:spPr>
         <p:txBody>
-          <a:bodyPr anchor="t" rtlCol="false" tIns="0" lIns="0" bIns="0" rIns="0">
+          <a:bodyPr lIns="0" tIns="0" rIns="0" bIns="0" rtlCol="0" anchor="t">
             <a:spAutoFit/>
           </a:bodyPr>
           <a:lstStyle/>
@@ -5559,12 +5507,12 @@
       </p:sp>
       <p:sp>
         <p:nvSpPr>
-          <p:cNvPr name="Freeform 5" id="5"/>
+          <p:cNvPr id="5" name="Freeform 5"/>
           <p:cNvSpPr/>
           <p:nvPr/>
         </p:nvSpPr>
         <p:spPr>
-          <a:xfrm flipH="false" flipV="false" rot="-2302221">
+          <a:xfrm rot="-2302221">
             <a:off x="-2805982" y="-67947"/>
             <a:ext cx="6469214" cy="1470958"/>
           </a:xfrm>
@@ -5573,9 +5521,9 @@
             <a:gdLst/>
             <a:ahLst/>
             <a:cxnLst/>
-            <a:rect r="r" b="b" t="t" l="l"/>
+            <a:rect l="l" t="t" r="r" b="b"/>
             <a:pathLst>
-              <a:path h="1470958" w="6469214">
+              <a:path w="6469214" h="1470958">
                 <a:moveTo>
                   <a:pt x="0" y="0"/>
                 </a:moveTo>
@@ -5604,19 +5552,19 @@
               </a:extLst>
             </a:blip>
             <a:stretch>
-              <a:fillRect l="0" t="-122" r="0" b="-122"/>
+              <a:fillRect t="-122" b="-122"/>
             </a:stretch>
           </a:blipFill>
         </p:spPr>
       </p:sp>
       <p:sp>
         <p:nvSpPr>
-          <p:cNvPr name="Freeform 6" id="6"/>
+          <p:cNvPr id="6" name="Freeform 6"/>
           <p:cNvSpPr/>
           <p:nvPr/>
         </p:nvSpPr>
         <p:spPr>
-          <a:xfrm flipH="false" flipV="false" rot="-2302221">
+          <a:xfrm rot="-2302221">
             <a:off x="3922671" y="2828023"/>
             <a:ext cx="6469214" cy="1470958"/>
           </a:xfrm>
@@ -5625,9 +5573,9 @@
             <a:gdLst/>
             <a:ahLst/>
             <a:cxnLst/>
-            <a:rect r="r" b="b" t="t" l="l"/>
+            <a:rect l="l" t="t" r="r" b="b"/>
             <a:pathLst>
-              <a:path h="1470958" w="6469214">
+              <a:path w="6469214" h="1470958">
                 <a:moveTo>
                   <a:pt x="0" y="0"/>
                 </a:moveTo>
@@ -5656,19 +5604,19 @@
               </a:extLst>
             </a:blip>
             <a:stretch>
-              <a:fillRect l="0" t="-122" r="0" b="-122"/>
+              <a:fillRect t="-122" b="-122"/>
             </a:stretch>
           </a:blipFill>
         </p:spPr>
       </p:sp>
       <p:grpSp>
         <p:nvGrpSpPr>
-          <p:cNvPr name="Group 7" id="7"/>
+          <p:cNvPr id="7" name="Group 7"/>
           <p:cNvGrpSpPr/>
           <p:nvPr/>
         </p:nvGrpSpPr>
         <p:grpSpPr>
-          <a:xfrm rot="0">
+          <a:xfrm>
             <a:off x="579727" y="2631344"/>
             <a:ext cx="2941526" cy="842466"/>
             <a:chOff x="0" y="0"/>
@@ -5677,12 +5625,12 @@
         </p:grpSpPr>
         <p:sp>
           <p:nvSpPr>
-            <p:cNvPr name="Freeform 8" id="8"/>
+            <p:cNvPr id="8" name="Freeform 8"/>
             <p:cNvSpPr/>
             <p:nvPr/>
           </p:nvSpPr>
           <p:spPr>
-            <a:xfrm flipH="false" flipV="false" rot="0">
+            <a:xfrm>
               <a:off x="0" y="0"/>
               <a:ext cx="827563" cy="827563"/>
             </a:xfrm>
@@ -5691,9 +5639,9 @@
               <a:gdLst/>
               <a:ahLst/>
               <a:cxnLst/>
-              <a:rect r="r" b="b" t="t" l="l"/>
+              <a:rect l="l" t="t" r="r" b="b"/>
               <a:pathLst>
-                <a:path h="827563" w="827563">
+                <a:path w="827563" h="827563">
                   <a:moveTo>
                     <a:pt x="0" y="0"/>
                   </a:moveTo>
@@ -5722,19 +5670,19 @@
                 </a:extLst>
               </a:blip>
               <a:stretch>
-                <a:fillRect l="0" t="0" r="0" b="0"/>
+                <a:fillRect/>
               </a:stretch>
             </a:blipFill>
           </p:spPr>
         </p:sp>
         <p:sp>
           <p:nvSpPr>
-            <p:cNvPr name="TextBox 9" id="9"/>
-            <p:cNvSpPr txBox="true"/>
+            <p:cNvPr id="9" name="TextBox 9"/>
+            <p:cNvSpPr txBox="1"/>
             <p:nvPr/>
           </p:nvSpPr>
           <p:spPr>
-            <a:xfrm rot="0">
+            <a:xfrm>
               <a:off x="918485" y="44000"/>
               <a:ext cx="3003550" cy="1079288"/>
             </a:xfrm>
@@ -5743,7 +5691,7 @@
             </a:prstGeom>
           </p:spPr>
           <p:txBody>
-            <a:bodyPr anchor="t" rtlCol="false" tIns="0" lIns="0" bIns="0" rIns="0">
+            <a:bodyPr lIns="0" tIns="0" rIns="0" bIns="0" rtlCol="0" anchor="t">
               <a:spAutoFit/>
             </a:bodyPr>
             <a:lstStyle/>
@@ -5768,12 +5716,12 @@
       </p:grpSp>
       <p:grpSp>
         <p:nvGrpSpPr>
-          <p:cNvPr name="Group 10" id="10"/>
+          <p:cNvPr id="10" name="Group 10"/>
           <p:cNvGrpSpPr/>
           <p:nvPr/>
         </p:nvGrpSpPr>
         <p:grpSpPr>
-          <a:xfrm rot="0">
+          <a:xfrm>
             <a:off x="4065979" y="1708812"/>
             <a:ext cx="2941526" cy="620672"/>
             <a:chOff x="0" y="0"/>
@@ -5782,12 +5730,12 @@
         </p:grpSpPr>
         <p:sp>
           <p:nvSpPr>
-            <p:cNvPr name="Freeform 11" id="11"/>
+            <p:cNvPr id="11" name="Freeform 11"/>
             <p:cNvSpPr/>
             <p:nvPr/>
           </p:nvSpPr>
           <p:spPr>
-            <a:xfrm flipH="false" flipV="false" rot="0">
+            <a:xfrm>
               <a:off x="0" y="0"/>
               <a:ext cx="827563" cy="827563"/>
             </a:xfrm>
@@ -5796,9 +5744,9 @@
               <a:gdLst/>
               <a:ahLst/>
               <a:cxnLst/>
-              <a:rect r="r" b="b" t="t" l="l"/>
+              <a:rect l="l" t="t" r="r" b="b"/>
               <a:pathLst>
-                <a:path h="827563" w="827563">
+                <a:path w="827563" h="827563">
                   <a:moveTo>
                     <a:pt x="0" y="0"/>
                   </a:moveTo>
@@ -5827,19 +5775,19 @@
                 </a:extLst>
               </a:blip>
               <a:stretch>
-                <a:fillRect l="0" t="0" r="0" b="0"/>
+                <a:fillRect/>
               </a:stretch>
             </a:blipFill>
           </p:spPr>
         </p:sp>
         <p:sp>
           <p:nvSpPr>
-            <p:cNvPr name="TextBox 12" id="12"/>
-            <p:cNvSpPr txBox="true"/>
+            <p:cNvPr id="12" name="TextBox 12"/>
+            <p:cNvSpPr txBox="1"/>
             <p:nvPr/>
           </p:nvSpPr>
           <p:spPr>
-            <a:xfrm rot="0">
+            <a:xfrm>
               <a:off x="918485" y="44000"/>
               <a:ext cx="3003550" cy="710988"/>
             </a:xfrm>
@@ -5848,7 +5796,7 @@
             </a:prstGeom>
           </p:spPr>
           <p:txBody>
-            <a:bodyPr anchor="t" rtlCol="false" tIns="0" lIns="0" bIns="0" rIns="0">
+            <a:bodyPr lIns="0" tIns="0" rIns="0" bIns="0" rtlCol="0" anchor="t">
               <a:spAutoFit/>
             </a:bodyPr>
             <a:lstStyle/>
@@ -5873,12 +5821,12 @@
       </p:grpSp>
       <p:grpSp>
         <p:nvGrpSpPr>
-          <p:cNvPr name="Group 13" id="13"/>
+          <p:cNvPr id="13" name="Group 13"/>
           <p:cNvGrpSpPr/>
           <p:nvPr/>
         </p:nvGrpSpPr>
         <p:grpSpPr>
-          <a:xfrm rot="0">
+          <a:xfrm>
             <a:off x="4065979" y="2682153"/>
             <a:ext cx="2941526" cy="620672"/>
             <a:chOff x="0" y="0"/>
@@ -5887,12 +5835,12 @@
         </p:grpSpPr>
         <p:sp>
           <p:nvSpPr>
-            <p:cNvPr name="Freeform 14" id="14"/>
+            <p:cNvPr id="14" name="Freeform 14"/>
             <p:cNvSpPr/>
             <p:nvPr/>
           </p:nvSpPr>
           <p:spPr>
-            <a:xfrm flipH="false" flipV="false" rot="0">
+            <a:xfrm>
               <a:off x="0" y="0"/>
               <a:ext cx="827563" cy="827563"/>
             </a:xfrm>
@@ -5901,9 +5849,9 @@
               <a:gdLst/>
               <a:ahLst/>
               <a:cxnLst/>
-              <a:rect r="r" b="b" t="t" l="l"/>
+              <a:rect l="l" t="t" r="r" b="b"/>
               <a:pathLst>
-                <a:path h="827563" w="827563">
+                <a:path w="827563" h="827563">
                   <a:moveTo>
                     <a:pt x="0" y="0"/>
                   </a:moveTo>
@@ -5932,19 +5880,19 @@
                 </a:extLst>
               </a:blip>
               <a:stretch>
-                <a:fillRect l="0" t="0" r="0" b="0"/>
+                <a:fillRect/>
               </a:stretch>
             </a:blipFill>
           </p:spPr>
         </p:sp>
         <p:sp>
           <p:nvSpPr>
-            <p:cNvPr name="TextBox 15" id="15"/>
-            <p:cNvSpPr txBox="true"/>
+            <p:cNvPr id="15" name="TextBox 15"/>
+            <p:cNvSpPr txBox="1"/>
             <p:nvPr/>
           </p:nvSpPr>
           <p:spPr>
-            <a:xfrm rot="0">
+            <a:xfrm>
               <a:off x="918485" y="44000"/>
               <a:ext cx="3003550" cy="710988"/>
             </a:xfrm>
@@ -5953,7 +5901,7 @@
             </a:prstGeom>
           </p:spPr>
           <p:txBody>
-            <a:bodyPr anchor="t" rtlCol="false" tIns="0" lIns="0" bIns="0" rIns="0">
+            <a:bodyPr lIns="0" tIns="0" rIns="0" bIns="0" rtlCol="0" anchor="t">
               <a:spAutoFit/>
             </a:bodyPr>
             <a:lstStyle/>
@@ -5985,13 +5933,14 @@
 </file>
 
 <file path=ppt/slides/slide7.xml><?xml version="1.0" encoding="utf-8"?>
-<p:sld xmlns:p="http://schemas.openxmlformats.org/presentationml/2006/main" xmlns:a="http://schemas.openxmlformats.org/drawingml/2006/main" xmlns:r="http://schemas.openxmlformats.org/officeDocument/2006/relationships">
+<p:sld xmlns:a="http://schemas.openxmlformats.org/drawingml/2006/main" xmlns:r="http://schemas.openxmlformats.org/officeDocument/2006/relationships" xmlns:p="http://schemas.openxmlformats.org/presentationml/2006/main">
   <p:cSld>
     <p:bg>
       <p:bgPr>
         <a:solidFill>
           <a:srgbClr val="253763"/>
         </a:solidFill>
+        <a:effectLst/>
       </p:bgPr>
     </p:bg>
     <p:spTree>
@@ -6010,12 +5959,12 @@
       </p:grpSpPr>
       <p:sp>
         <p:nvSpPr>
-          <p:cNvPr name="Freeform 2" id="2"/>
+          <p:cNvPr id="2" name="Freeform 2"/>
           <p:cNvSpPr/>
           <p:nvPr/>
         </p:nvSpPr>
         <p:spPr>
-          <a:xfrm flipH="false" flipV="false" rot="0">
+          <a:xfrm>
             <a:off x="2446793" y="193115"/>
             <a:ext cx="2821665" cy="760486"/>
           </a:xfrm>
@@ -6024,9 +5973,9 @@
             <a:gdLst/>
             <a:ahLst/>
             <a:cxnLst/>
-            <a:rect r="r" b="b" t="t" l="l"/>
+            <a:rect l="l" t="t" r="r" b="b"/>
             <a:pathLst>
-              <a:path h="760486" w="2821665">
+              <a:path w="2821665" h="760486">
                 <a:moveTo>
                   <a:pt x="0" y="0"/>
                 </a:moveTo>
@@ -6049,19 +5998,19 @@
           <a:blipFill>
             <a:blip r:embed="rId2"/>
             <a:stretch>
-              <a:fillRect l="0" t="0" r="0" b="0"/>
+              <a:fillRect/>
             </a:stretch>
           </a:blipFill>
         </p:spPr>
       </p:sp>
       <p:sp>
         <p:nvSpPr>
-          <p:cNvPr name="Freeform 3" id="3"/>
+          <p:cNvPr id="3" name="Freeform 3"/>
           <p:cNvSpPr/>
           <p:nvPr/>
         </p:nvSpPr>
         <p:spPr>
-          <a:xfrm flipH="false" flipV="false" rot="-2302221">
+          <a:xfrm rot="-2302221">
             <a:off x="-2805982" y="-67947"/>
             <a:ext cx="6469214" cy="1470958"/>
           </a:xfrm>
@@ -6070,9 +6019,9 @@
             <a:gdLst/>
             <a:ahLst/>
             <a:cxnLst/>
-            <a:rect r="r" b="b" t="t" l="l"/>
+            <a:rect l="l" t="t" r="r" b="b"/>
             <a:pathLst>
-              <a:path h="1470958" w="6469214">
+              <a:path w="6469214" h="1470958">
                 <a:moveTo>
                   <a:pt x="0" y="0"/>
                 </a:moveTo>
@@ -6101,19 +6050,19 @@
               </a:extLst>
             </a:blip>
             <a:stretch>
-              <a:fillRect l="0" t="-122" r="0" b="-122"/>
+              <a:fillRect t="-122" b="-122"/>
             </a:stretch>
           </a:blipFill>
         </p:spPr>
       </p:sp>
       <p:sp>
         <p:nvSpPr>
-          <p:cNvPr name="Freeform 4" id="4"/>
+          <p:cNvPr id="4" name="Freeform 4"/>
           <p:cNvSpPr/>
           <p:nvPr/>
         </p:nvSpPr>
         <p:spPr>
-          <a:xfrm flipH="false" flipV="false" rot="-2302221">
+          <a:xfrm rot="-2302221">
             <a:off x="3951085" y="2923725"/>
             <a:ext cx="6469214" cy="1470958"/>
           </a:xfrm>
@@ -6122,9 +6071,9 @@
             <a:gdLst/>
             <a:ahLst/>
             <a:cxnLst/>
-            <a:rect r="r" b="b" t="t" l="l"/>
+            <a:rect l="l" t="t" r="r" b="b"/>
             <a:pathLst>
-              <a:path h="1470958" w="6469214">
+              <a:path w="6469214" h="1470958">
                 <a:moveTo>
                   <a:pt x="0" y="0"/>
                 </a:moveTo>
@@ -6153,19 +6102,19 @@
               </a:extLst>
             </a:blip>
             <a:stretch>
-              <a:fillRect l="0" t="-122" r="0" b="-122"/>
+              <a:fillRect t="-122" b="-122"/>
             </a:stretch>
           </a:blipFill>
         </p:spPr>
       </p:sp>
       <p:sp>
         <p:nvSpPr>
-          <p:cNvPr name="Freeform 5" id="5"/>
+          <p:cNvPr id="5" name="Freeform 5"/>
           <p:cNvSpPr/>
           <p:nvPr/>
         </p:nvSpPr>
         <p:spPr>
-          <a:xfrm flipH="false" flipV="false" rot="0">
+          <a:xfrm>
             <a:off x="336813" y="1360415"/>
             <a:ext cx="1576090" cy="1128443"/>
           </a:xfrm>
@@ -6174,9 +6123,9 @@
             <a:gdLst/>
             <a:ahLst/>
             <a:cxnLst/>
-            <a:rect r="r" b="b" t="t" l="l"/>
+            <a:rect l="l" t="t" r="r" b="b"/>
             <a:pathLst>
-              <a:path h="1128443" w="1576090">
+              <a:path w="1576090" h="1128443">
                 <a:moveTo>
                   <a:pt x="0" y="0"/>
                 </a:moveTo>
@@ -6199,19 +6148,19 @@
           <a:blipFill>
             <a:blip r:embed="rId5"/>
             <a:stretch>
-              <a:fillRect l="0" t="0" r="0" b="0"/>
+              <a:fillRect/>
             </a:stretch>
           </a:blipFill>
         </p:spPr>
       </p:sp>
       <p:sp>
         <p:nvSpPr>
-          <p:cNvPr name="Freeform 6" id="6"/>
+          <p:cNvPr id="6" name="Freeform 6"/>
           <p:cNvSpPr/>
           <p:nvPr/>
         </p:nvSpPr>
         <p:spPr>
-          <a:xfrm flipH="false" flipV="false" rot="0">
+          <a:xfrm>
             <a:off x="3721553" y="1236213"/>
             <a:ext cx="1546904" cy="1594462"/>
           </a:xfrm>
@@ -6220,9 +6169,9 @@
             <a:gdLst/>
             <a:ahLst/>
             <a:cxnLst/>
-            <a:rect r="r" b="b" t="t" l="l"/>
+            <a:rect l="l" t="t" r="r" b="b"/>
             <a:pathLst>
-              <a:path h="1594462" w="1546904">
+              <a:path w="1546904" h="1594462">
                 <a:moveTo>
                   <a:pt x="0" y="0"/>
                 </a:moveTo>
@@ -6245,19 +6194,19 @@
           <a:blipFill>
             <a:blip r:embed="rId6"/>
             <a:stretch>
-              <a:fillRect l="0" t="0" r="0" b="0"/>
+              <a:fillRect/>
             </a:stretch>
           </a:blipFill>
         </p:spPr>
       </p:sp>
       <p:sp>
         <p:nvSpPr>
-          <p:cNvPr name="Freeform 7" id="7"/>
+          <p:cNvPr id="7" name="Freeform 7"/>
           <p:cNvSpPr/>
           <p:nvPr/>
         </p:nvSpPr>
         <p:spPr>
-          <a:xfrm flipH="false" flipV="false" rot="0">
+          <a:xfrm>
             <a:off x="5814552" y="1189111"/>
             <a:ext cx="1517231" cy="1594462"/>
           </a:xfrm>
@@ -6266,9 +6215,9 @@
             <a:gdLst/>
             <a:ahLst/>
             <a:cxnLst/>
-            <a:rect r="r" b="b" t="t" l="l"/>
+            <a:rect l="l" t="t" r="r" b="b"/>
             <a:pathLst>
-              <a:path h="1594462" w="1517231">
+              <a:path w="1517231" h="1594462">
                 <a:moveTo>
                   <a:pt x="0" y="0"/>
                 </a:moveTo>
@@ -6291,19 +6240,19 @@
           <a:blipFill>
             <a:blip r:embed="rId7"/>
             <a:stretch>
-              <a:fillRect l="0" t="0" r="0" b="0"/>
+              <a:fillRect/>
             </a:stretch>
           </a:blipFill>
         </p:spPr>
       </p:sp>
       <p:sp>
         <p:nvSpPr>
-          <p:cNvPr name="Freeform 8" id="8"/>
+          <p:cNvPr id="8" name="Freeform 8"/>
           <p:cNvSpPr/>
           <p:nvPr/>
         </p:nvSpPr>
         <p:spPr>
-          <a:xfrm flipH="false" flipV="false" rot="0">
+          <a:xfrm>
             <a:off x="2162789" y="1236213"/>
             <a:ext cx="1187024" cy="2034898"/>
           </a:xfrm>
@@ -6312,9 +6261,9 @@
             <a:gdLst/>
             <a:ahLst/>
             <a:cxnLst/>
-            <a:rect r="r" b="b" t="t" l="l"/>
+            <a:rect l="l" t="t" r="r" b="b"/>
             <a:pathLst>
-              <a:path h="2034898" w="1187024">
+              <a:path w="1187024" h="2034898">
                 <a:moveTo>
                   <a:pt x="0" y="0"/>
                 </a:moveTo>
@@ -6337,7 +6286,7 @@
           <a:blipFill>
             <a:blip r:embed="rId8"/>
             <a:stretch>
-              <a:fillRect l="0" t="0" r="0" b="0"/>
+              <a:fillRect/>
             </a:stretch>
           </a:blipFill>
         </p:spPr>
@@ -6351,13 +6300,14 @@
 </file>
 
 <file path=ppt/slides/slide8.xml><?xml version="1.0" encoding="utf-8"?>
-<p:sld xmlns:p="http://schemas.openxmlformats.org/presentationml/2006/main" xmlns:a="http://schemas.openxmlformats.org/drawingml/2006/main">
+<p:sld xmlns:a="http://schemas.openxmlformats.org/drawingml/2006/main" xmlns:r="http://schemas.openxmlformats.org/officeDocument/2006/relationships" xmlns:p="http://schemas.openxmlformats.org/presentationml/2006/main">
   <p:cSld>
     <p:bg>
       <p:bgPr>
         <a:solidFill>
           <a:srgbClr val="253763"/>
         </a:solidFill>
+        <a:effectLst/>
       </p:bgPr>
     </p:bg>
     <p:spTree>
@@ -6376,12 +6326,12 @@
       </p:grpSpPr>
       <p:sp>
         <p:nvSpPr>
-          <p:cNvPr name="TextBox 2" id="2"/>
-          <p:cNvSpPr txBox="true"/>
+          <p:cNvPr id="2" name="TextBox 2"/>
+          <p:cNvSpPr txBox="1"/>
           <p:nvPr/>
         </p:nvSpPr>
         <p:spPr>
-          <a:xfrm rot="0">
+          <a:xfrm>
             <a:off x="1216893" y="1803083"/>
             <a:ext cx="5281464" cy="613410"/>
           </a:xfrm>
@@ -6390,7 +6340,7 @@
           </a:prstGeom>
         </p:spPr>
         <p:txBody>
-          <a:bodyPr anchor="t" rtlCol="false" tIns="0" lIns="0" bIns="0" rIns="0">
+          <a:bodyPr lIns="0" tIns="0" rIns="0" bIns="0" rtlCol="0" anchor="t">
             <a:spAutoFit/>
           </a:bodyPr>
           <a:lstStyle/>
